--- a/Наработки/диздоки/Латвия/Латвия.pptx
+++ b/Наработки/диздоки/Латвия/Латвия.pptx
@@ -209,7 +209,7 @@
             <a:fld id="{33E3D7F9-E251-484C-A6FF-FA958879DF69}" type="datetimeFigureOut">
               <a:rPr lang="ru-RU" smtClean="0"/>
               <a:pPr/>
-              <a:t>09.04.2021</a:t>
+              <a:t>24.04.2024</a:t>
             </a:fld>
             <a:endParaRPr lang="ru-RU"/>
           </a:p>
@@ -273,38 +273,37 @@
           <a:p>
             <a:pPr lvl="0"/>
             <a:r>
-              <a:rPr lang="ru-RU" smtClean="0"/>
+              <a:rPr lang="ru-RU"/>
               <a:t>Образец текста</a:t>
             </a:r>
           </a:p>
           <a:p>
             <a:pPr lvl="1"/>
             <a:r>
-              <a:rPr lang="ru-RU" smtClean="0"/>
+              <a:rPr lang="ru-RU"/>
               <a:t>Второй уровень</a:t>
             </a:r>
           </a:p>
           <a:p>
             <a:pPr lvl="2"/>
             <a:r>
-              <a:rPr lang="ru-RU" smtClean="0"/>
+              <a:rPr lang="ru-RU"/>
               <a:t>Третий уровень</a:t>
             </a:r>
           </a:p>
           <a:p>
             <a:pPr lvl="3"/>
             <a:r>
-              <a:rPr lang="ru-RU" smtClean="0"/>
+              <a:rPr lang="ru-RU"/>
               <a:t>Четвертый уровень</a:t>
             </a:r>
           </a:p>
           <a:p>
             <a:pPr lvl="4"/>
             <a:r>
-              <a:rPr lang="ru-RU" smtClean="0"/>
+              <a:rPr lang="ru-RU"/>
               <a:t>Пятый уровень</a:t>
             </a:r>
-            <a:endParaRPr lang="ru-RU"/>
           </a:p>
         </p:txBody>
       </p:sp>
@@ -610,7 +609,7 @@
           </a:lstStyle>
           <a:p>
             <a:r>
-              <a:rPr lang="ru-RU" smtClean="0"/>
+              <a:rPr lang="ru-RU"/>
               <a:t>Образец заголовка</a:t>
             </a:r>
             <a:endParaRPr lang="en-US" dirty="0"/>
@@ -675,7 +674,7 @@
           </a:lstStyle>
           <a:p>
             <a:r>
-              <a:rPr lang="ru-RU" smtClean="0"/>
+              <a:rPr lang="ru-RU"/>
               <a:t>Образец подзаголовка</a:t>
             </a:r>
             <a:endParaRPr lang="en-US" dirty="0"/>
@@ -700,7 +699,7 @@
             <a:fld id="{85A5DE44-605B-4D3B-B2B7-94543DF81A36}" type="datetimeFigureOut">
               <a:rPr lang="ru-RU" smtClean="0"/>
               <a:pPr/>
-              <a:t>09.04.2021</a:t>
+              <a:t>24.04.2024</a:t>
             </a:fld>
             <a:endParaRPr lang="ru-RU"/>
           </a:p>
@@ -795,7 +794,7 @@
           <a:lstStyle/>
           <a:p>
             <a:r>
-              <a:rPr lang="ru-RU" smtClean="0"/>
+              <a:rPr lang="ru-RU"/>
               <a:t>Образец заголовка</a:t>
             </a:r>
             <a:endParaRPr lang="en-US" dirty="0"/>
@@ -819,35 +818,35 @@
           <a:p>
             <a:pPr lvl="0"/>
             <a:r>
-              <a:rPr lang="ru-RU" smtClean="0"/>
+              <a:rPr lang="ru-RU"/>
               <a:t>Образец текста</a:t>
             </a:r>
           </a:p>
           <a:p>
             <a:pPr lvl="1"/>
             <a:r>
-              <a:rPr lang="ru-RU" smtClean="0"/>
+              <a:rPr lang="ru-RU"/>
               <a:t>Второй уровень</a:t>
             </a:r>
           </a:p>
           <a:p>
             <a:pPr lvl="2"/>
             <a:r>
-              <a:rPr lang="ru-RU" smtClean="0"/>
+              <a:rPr lang="ru-RU"/>
               <a:t>Третий уровень</a:t>
             </a:r>
           </a:p>
           <a:p>
             <a:pPr lvl="3"/>
             <a:r>
-              <a:rPr lang="ru-RU" smtClean="0"/>
+              <a:rPr lang="ru-RU"/>
               <a:t>Четвертый уровень</a:t>
             </a:r>
           </a:p>
           <a:p>
             <a:pPr lvl="4"/>
             <a:r>
-              <a:rPr lang="ru-RU" smtClean="0"/>
+              <a:rPr lang="ru-RU"/>
               <a:t>Пятый уровень</a:t>
             </a:r>
             <a:endParaRPr lang="en-US" dirty="0"/>
@@ -872,7 +871,7 @@
             <a:fld id="{85A5DE44-605B-4D3B-B2B7-94543DF81A36}" type="datetimeFigureOut">
               <a:rPr lang="ru-RU" smtClean="0"/>
               <a:pPr/>
-              <a:t>09.04.2021</a:t>
+              <a:t>24.04.2024</a:t>
             </a:fld>
             <a:endParaRPr lang="ru-RU"/>
           </a:p>
@@ -972,7 +971,7 @@
           <a:lstStyle/>
           <a:p>
             <a:r>
-              <a:rPr lang="ru-RU" smtClean="0"/>
+              <a:rPr lang="ru-RU"/>
               <a:t>Образец заголовка</a:t>
             </a:r>
             <a:endParaRPr lang="en-US" dirty="0"/>
@@ -1001,35 +1000,35 @@
           <a:p>
             <a:pPr lvl="0"/>
             <a:r>
-              <a:rPr lang="ru-RU" smtClean="0"/>
+              <a:rPr lang="ru-RU"/>
               <a:t>Образец текста</a:t>
             </a:r>
           </a:p>
           <a:p>
             <a:pPr lvl="1"/>
             <a:r>
-              <a:rPr lang="ru-RU" smtClean="0"/>
+              <a:rPr lang="ru-RU"/>
               <a:t>Второй уровень</a:t>
             </a:r>
           </a:p>
           <a:p>
             <a:pPr lvl="2"/>
             <a:r>
-              <a:rPr lang="ru-RU" smtClean="0"/>
+              <a:rPr lang="ru-RU"/>
               <a:t>Третий уровень</a:t>
             </a:r>
           </a:p>
           <a:p>
             <a:pPr lvl="3"/>
             <a:r>
-              <a:rPr lang="ru-RU" smtClean="0"/>
+              <a:rPr lang="ru-RU"/>
               <a:t>Четвертый уровень</a:t>
             </a:r>
           </a:p>
           <a:p>
             <a:pPr lvl="4"/>
             <a:r>
-              <a:rPr lang="ru-RU" smtClean="0"/>
+              <a:rPr lang="ru-RU"/>
               <a:t>Пятый уровень</a:t>
             </a:r>
             <a:endParaRPr lang="en-US" dirty="0"/>
@@ -1054,7 +1053,7 @@
             <a:fld id="{85A5DE44-605B-4D3B-B2B7-94543DF81A36}" type="datetimeFigureOut">
               <a:rPr lang="ru-RU" smtClean="0"/>
               <a:pPr/>
-              <a:t>09.04.2021</a:t>
+              <a:t>24.04.2024</a:t>
             </a:fld>
             <a:endParaRPr lang="ru-RU"/>
           </a:p>
@@ -1149,7 +1148,7 @@
           <a:lstStyle/>
           <a:p>
             <a:r>
-              <a:rPr lang="ru-RU" smtClean="0"/>
+              <a:rPr lang="ru-RU"/>
               <a:t>Образец заголовка</a:t>
             </a:r>
             <a:endParaRPr lang="en-US" dirty="0"/>
@@ -1173,35 +1172,35 @@
           <a:p>
             <a:pPr lvl="0"/>
             <a:r>
-              <a:rPr lang="ru-RU" smtClean="0"/>
+              <a:rPr lang="ru-RU"/>
               <a:t>Образец текста</a:t>
             </a:r>
           </a:p>
           <a:p>
             <a:pPr lvl="1"/>
             <a:r>
-              <a:rPr lang="ru-RU" smtClean="0"/>
+              <a:rPr lang="ru-RU"/>
               <a:t>Второй уровень</a:t>
             </a:r>
           </a:p>
           <a:p>
             <a:pPr lvl="2"/>
             <a:r>
-              <a:rPr lang="ru-RU" smtClean="0"/>
+              <a:rPr lang="ru-RU"/>
               <a:t>Третий уровень</a:t>
             </a:r>
           </a:p>
           <a:p>
             <a:pPr lvl="3"/>
             <a:r>
-              <a:rPr lang="ru-RU" smtClean="0"/>
+              <a:rPr lang="ru-RU"/>
               <a:t>Четвертый уровень</a:t>
             </a:r>
           </a:p>
           <a:p>
             <a:pPr lvl="4"/>
             <a:r>
-              <a:rPr lang="ru-RU" smtClean="0"/>
+              <a:rPr lang="ru-RU"/>
               <a:t>Пятый уровень</a:t>
             </a:r>
             <a:endParaRPr lang="en-US" dirty="0"/>
@@ -1226,7 +1225,7 @@
             <a:fld id="{85A5DE44-605B-4D3B-B2B7-94543DF81A36}" type="datetimeFigureOut">
               <a:rPr lang="ru-RU" smtClean="0"/>
               <a:pPr/>
-              <a:t>09.04.2021</a:t>
+              <a:t>24.04.2024</a:t>
             </a:fld>
             <a:endParaRPr lang="ru-RU"/>
           </a:p>
@@ -1330,7 +1329,7 @@
           </a:lstStyle>
           <a:p>
             <a:r>
-              <a:rPr lang="ru-RU" smtClean="0"/>
+              <a:rPr lang="ru-RU"/>
               <a:t>Образец заголовка</a:t>
             </a:r>
             <a:endParaRPr lang="en-US" dirty="0"/>
@@ -1450,7 +1449,7 @@
           <a:p>
             <a:pPr lvl="0"/>
             <a:r>
-              <a:rPr lang="ru-RU" smtClean="0"/>
+              <a:rPr lang="ru-RU"/>
               <a:t>Образец текста</a:t>
             </a:r>
           </a:p>
@@ -1474,7 +1473,7 @@
             <a:fld id="{85A5DE44-605B-4D3B-B2B7-94543DF81A36}" type="datetimeFigureOut">
               <a:rPr lang="ru-RU" smtClean="0"/>
               <a:pPr/>
-              <a:t>09.04.2021</a:t>
+              <a:t>24.04.2024</a:t>
             </a:fld>
             <a:endParaRPr lang="ru-RU"/>
           </a:p>
@@ -1569,7 +1568,7 @@
           <a:lstStyle/>
           <a:p>
             <a:r>
-              <a:rPr lang="ru-RU" smtClean="0"/>
+              <a:rPr lang="ru-RU"/>
               <a:t>Образец заголовка</a:t>
             </a:r>
             <a:endParaRPr lang="en-US" dirty="0"/>
@@ -1598,35 +1597,35 @@
           <a:p>
             <a:pPr lvl="0"/>
             <a:r>
-              <a:rPr lang="ru-RU" smtClean="0"/>
+              <a:rPr lang="ru-RU"/>
               <a:t>Образец текста</a:t>
             </a:r>
           </a:p>
           <a:p>
             <a:pPr lvl="1"/>
             <a:r>
-              <a:rPr lang="ru-RU" smtClean="0"/>
+              <a:rPr lang="ru-RU"/>
               <a:t>Второй уровень</a:t>
             </a:r>
           </a:p>
           <a:p>
             <a:pPr lvl="2"/>
             <a:r>
-              <a:rPr lang="ru-RU" smtClean="0"/>
+              <a:rPr lang="ru-RU"/>
               <a:t>Третий уровень</a:t>
             </a:r>
           </a:p>
           <a:p>
             <a:pPr lvl="3"/>
             <a:r>
-              <a:rPr lang="ru-RU" smtClean="0"/>
+              <a:rPr lang="ru-RU"/>
               <a:t>Четвертый уровень</a:t>
             </a:r>
           </a:p>
           <a:p>
             <a:pPr lvl="4"/>
             <a:r>
-              <a:rPr lang="ru-RU" smtClean="0"/>
+              <a:rPr lang="ru-RU"/>
               <a:t>Пятый уровень</a:t>
             </a:r>
             <a:endParaRPr lang="en-US" dirty="0"/>
@@ -1655,35 +1654,35 @@
           <a:p>
             <a:pPr lvl="0"/>
             <a:r>
-              <a:rPr lang="ru-RU" smtClean="0"/>
+              <a:rPr lang="ru-RU"/>
               <a:t>Образец текста</a:t>
             </a:r>
           </a:p>
           <a:p>
             <a:pPr lvl="1"/>
             <a:r>
-              <a:rPr lang="ru-RU" smtClean="0"/>
+              <a:rPr lang="ru-RU"/>
               <a:t>Второй уровень</a:t>
             </a:r>
           </a:p>
           <a:p>
             <a:pPr lvl="2"/>
             <a:r>
-              <a:rPr lang="ru-RU" smtClean="0"/>
+              <a:rPr lang="ru-RU"/>
               <a:t>Третий уровень</a:t>
             </a:r>
           </a:p>
           <a:p>
             <a:pPr lvl="3"/>
             <a:r>
-              <a:rPr lang="ru-RU" smtClean="0"/>
+              <a:rPr lang="ru-RU"/>
               <a:t>Четвертый уровень</a:t>
             </a:r>
           </a:p>
           <a:p>
             <a:pPr lvl="4"/>
             <a:r>
-              <a:rPr lang="ru-RU" smtClean="0"/>
+              <a:rPr lang="ru-RU"/>
               <a:t>Пятый уровень</a:t>
             </a:r>
             <a:endParaRPr lang="en-US" dirty="0"/>
@@ -1708,7 +1707,7 @@
             <a:fld id="{85A5DE44-605B-4D3B-B2B7-94543DF81A36}" type="datetimeFigureOut">
               <a:rPr lang="ru-RU" smtClean="0"/>
               <a:pPr/>
-              <a:t>09.04.2021</a:t>
+              <a:t>24.04.2024</a:t>
             </a:fld>
             <a:endParaRPr lang="ru-RU"/>
           </a:p>
@@ -1808,7 +1807,7 @@
           <a:lstStyle/>
           <a:p>
             <a:r>
-              <a:rPr lang="ru-RU" smtClean="0"/>
+              <a:rPr lang="ru-RU"/>
               <a:t>Образец заголовка</a:t>
             </a:r>
             <a:endParaRPr lang="en-US" dirty="0"/>
@@ -1874,7 +1873,7 @@
           <a:p>
             <a:pPr lvl="0"/>
             <a:r>
-              <a:rPr lang="ru-RU" smtClean="0"/>
+              <a:rPr lang="ru-RU"/>
               <a:t>Образец текста</a:t>
             </a:r>
           </a:p>
@@ -1902,35 +1901,35 @@
           <a:p>
             <a:pPr lvl="0"/>
             <a:r>
-              <a:rPr lang="ru-RU" smtClean="0"/>
+              <a:rPr lang="ru-RU"/>
               <a:t>Образец текста</a:t>
             </a:r>
           </a:p>
           <a:p>
             <a:pPr lvl="1"/>
             <a:r>
-              <a:rPr lang="ru-RU" smtClean="0"/>
+              <a:rPr lang="ru-RU"/>
               <a:t>Второй уровень</a:t>
             </a:r>
           </a:p>
           <a:p>
             <a:pPr lvl="2"/>
             <a:r>
-              <a:rPr lang="ru-RU" smtClean="0"/>
+              <a:rPr lang="ru-RU"/>
               <a:t>Третий уровень</a:t>
             </a:r>
           </a:p>
           <a:p>
             <a:pPr lvl="3"/>
             <a:r>
-              <a:rPr lang="ru-RU" smtClean="0"/>
+              <a:rPr lang="ru-RU"/>
               <a:t>Четвертый уровень</a:t>
             </a:r>
           </a:p>
           <a:p>
             <a:pPr lvl="4"/>
             <a:r>
-              <a:rPr lang="ru-RU" smtClean="0"/>
+              <a:rPr lang="ru-RU"/>
               <a:t>Пятый уровень</a:t>
             </a:r>
             <a:endParaRPr lang="en-US" dirty="0"/>
@@ -1996,7 +1995,7 @@
           <a:p>
             <a:pPr lvl="0"/>
             <a:r>
-              <a:rPr lang="ru-RU" smtClean="0"/>
+              <a:rPr lang="ru-RU"/>
               <a:t>Образец текста</a:t>
             </a:r>
           </a:p>
@@ -2024,35 +2023,35 @@
           <a:p>
             <a:pPr lvl="0"/>
             <a:r>
-              <a:rPr lang="ru-RU" smtClean="0"/>
+              <a:rPr lang="ru-RU"/>
               <a:t>Образец текста</a:t>
             </a:r>
           </a:p>
           <a:p>
             <a:pPr lvl="1"/>
             <a:r>
-              <a:rPr lang="ru-RU" smtClean="0"/>
+              <a:rPr lang="ru-RU"/>
               <a:t>Второй уровень</a:t>
             </a:r>
           </a:p>
           <a:p>
             <a:pPr lvl="2"/>
             <a:r>
-              <a:rPr lang="ru-RU" smtClean="0"/>
+              <a:rPr lang="ru-RU"/>
               <a:t>Третий уровень</a:t>
             </a:r>
           </a:p>
           <a:p>
             <a:pPr lvl="3"/>
             <a:r>
-              <a:rPr lang="ru-RU" smtClean="0"/>
+              <a:rPr lang="ru-RU"/>
               <a:t>Четвертый уровень</a:t>
             </a:r>
           </a:p>
           <a:p>
             <a:pPr lvl="4"/>
             <a:r>
-              <a:rPr lang="ru-RU" smtClean="0"/>
+              <a:rPr lang="ru-RU"/>
               <a:t>Пятый уровень</a:t>
             </a:r>
             <a:endParaRPr lang="en-US" dirty="0"/>
@@ -2077,7 +2076,7 @@
             <a:fld id="{85A5DE44-605B-4D3B-B2B7-94543DF81A36}" type="datetimeFigureOut">
               <a:rPr lang="ru-RU" smtClean="0"/>
               <a:pPr/>
-              <a:t>09.04.2021</a:t>
+              <a:t>24.04.2024</a:t>
             </a:fld>
             <a:endParaRPr lang="ru-RU"/>
           </a:p>
@@ -2172,7 +2171,7 @@
           <a:lstStyle/>
           <a:p>
             <a:r>
-              <a:rPr lang="ru-RU" smtClean="0"/>
+              <a:rPr lang="ru-RU"/>
               <a:t>Образец заголовка</a:t>
             </a:r>
             <a:endParaRPr lang="en-US" dirty="0"/>
@@ -2197,7 +2196,7 @@
             <a:fld id="{85A5DE44-605B-4D3B-B2B7-94543DF81A36}" type="datetimeFigureOut">
               <a:rPr lang="ru-RU" smtClean="0"/>
               <a:pPr/>
-              <a:t>09.04.2021</a:t>
+              <a:t>24.04.2024</a:t>
             </a:fld>
             <a:endParaRPr lang="ru-RU"/>
           </a:p>
@@ -2294,7 +2293,7 @@
             <a:fld id="{85A5DE44-605B-4D3B-B2B7-94543DF81A36}" type="datetimeFigureOut">
               <a:rPr lang="ru-RU" smtClean="0"/>
               <a:pPr/>
-              <a:t>09.04.2021</a:t>
+              <a:t>24.04.2024</a:t>
             </a:fld>
             <a:endParaRPr lang="ru-RU"/>
           </a:p>
@@ -2398,7 +2397,7 @@
           </a:lstStyle>
           <a:p>
             <a:r>
-              <a:rPr lang="ru-RU" smtClean="0"/>
+              <a:rPr lang="ru-RU"/>
               <a:t>Образец заголовка</a:t>
             </a:r>
             <a:endParaRPr lang="en-US" dirty="0"/>
@@ -2455,35 +2454,35 @@
           <a:p>
             <a:pPr lvl="0"/>
             <a:r>
-              <a:rPr lang="ru-RU" smtClean="0"/>
+              <a:rPr lang="ru-RU"/>
               <a:t>Образец текста</a:t>
             </a:r>
           </a:p>
           <a:p>
             <a:pPr lvl="1"/>
             <a:r>
-              <a:rPr lang="ru-RU" smtClean="0"/>
+              <a:rPr lang="ru-RU"/>
               <a:t>Второй уровень</a:t>
             </a:r>
           </a:p>
           <a:p>
             <a:pPr lvl="2"/>
             <a:r>
-              <a:rPr lang="ru-RU" smtClean="0"/>
+              <a:rPr lang="ru-RU"/>
               <a:t>Третий уровень</a:t>
             </a:r>
           </a:p>
           <a:p>
             <a:pPr lvl="3"/>
             <a:r>
-              <a:rPr lang="ru-RU" smtClean="0"/>
+              <a:rPr lang="ru-RU"/>
               <a:t>Четвертый уровень</a:t>
             </a:r>
           </a:p>
           <a:p>
             <a:pPr lvl="4"/>
             <a:r>
-              <a:rPr lang="ru-RU" smtClean="0"/>
+              <a:rPr lang="ru-RU"/>
               <a:t>Пятый уровень</a:t>
             </a:r>
             <a:endParaRPr lang="en-US" dirty="0"/>
@@ -2549,7 +2548,7 @@
           <a:p>
             <a:pPr lvl="0"/>
             <a:r>
-              <a:rPr lang="ru-RU" smtClean="0"/>
+              <a:rPr lang="ru-RU"/>
               <a:t>Образец текста</a:t>
             </a:r>
           </a:p>
@@ -2573,7 +2572,7 @@
             <a:fld id="{85A5DE44-605B-4D3B-B2B7-94543DF81A36}" type="datetimeFigureOut">
               <a:rPr lang="ru-RU" smtClean="0"/>
               <a:pPr/>
-              <a:t>09.04.2021</a:t>
+              <a:t>24.04.2024</a:t>
             </a:fld>
             <a:endParaRPr lang="ru-RU"/>
           </a:p>
@@ -2677,7 +2676,7 @@
           </a:lstStyle>
           <a:p>
             <a:r>
-              <a:rPr lang="ru-RU" smtClean="0"/>
+              <a:rPr lang="ru-RU"/>
               <a:t>Образец заголовка</a:t>
             </a:r>
             <a:endParaRPr lang="en-US" dirty="0"/>
@@ -2742,7 +2741,7 @@
           </a:lstStyle>
           <a:p>
             <a:r>
-              <a:rPr lang="ru-RU" smtClean="0"/>
+              <a:rPr lang="ru-RU"/>
               <a:t>Вставка рисунка</a:t>
             </a:r>
             <a:endParaRPr lang="en-US" dirty="0"/>
@@ -2808,7 +2807,7 @@
           <a:p>
             <a:pPr lvl="0"/>
             <a:r>
-              <a:rPr lang="ru-RU" smtClean="0"/>
+              <a:rPr lang="ru-RU"/>
               <a:t>Образец текста</a:t>
             </a:r>
           </a:p>
@@ -2832,7 +2831,7 @@
             <a:fld id="{85A5DE44-605B-4D3B-B2B7-94543DF81A36}" type="datetimeFigureOut">
               <a:rPr lang="ru-RU" smtClean="0"/>
               <a:pPr/>
-              <a:t>09.04.2021</a:t>
+              <a:t>24.04.2024</a:t>
             </a:fld>
             <a:endParaRPr lang="ru-RU"/>
           </a:p>
@@ -2942,7 +2941,7 @@
           <a:lstStyle/>
           <a:p>
             <a:r>
-              <a:rPr lang="ru-RU" smtClean="0"/>
+              <a:rPr lang="ru-RU"/>
               <a:t>Образец заголовка</a:t>
             </a:r>
             <a:endParaRPr lang="en-US" dirty="0"/>
@@ -2976,35 +2975,35 @@
           <a:p>
             <a:pPr lvl="0"/>
             <a:r>
-              <a:rPr lang="ru-RU" smtClean="0"/>
+              <a:rPr lang="ru-RU"/>
               <a:t>Образец текста</a:t>
             </a:r>
           </a:p>
           <a:p>
             <a:pPr lvl="1"/>
             <a:r>
-              <a:rPr lang="ru-RU" smtClean="0"/>
+              <a:rPr lang="ru-RU"/>
               <a:t>Второй уровень</a:t>
             </a:r>
           </a:p>
           <a:p>
             <a:pPr lvl="2"/>
             <a:r>
-              <a:rPr lang="ru-RU" smtClean="0"/>
+              <a:rPr lang="ru-RU"/>
               <a:t>Третий уровень</a:t>
             </a:r>
           </a:p>
           <a:p>
             <a:pPr lvl="3"/>
             <a:r>
-              <a:rPr lang="ru-RU" smtClean="0"/>
+              <a:rPr lang="ru-RU"/>
               <a:t>Четвертый уровень</a:t>
             </a:r>
           </a:p>
           <a:p>
             <a:pPr lvl="4"/>
             <a:r>
-              <a:rPr lang="ru-RU" smtClean="0"/>
+              <a:rPr lang="ru-RU"/>
               <a:t>Пятый уровень</a:t>
             </a:r>
             <a:endParaRPr lang="en-US" dirty="0"/>
@@ -3047,7 +3046,7 @@
             <a:fld id="{85A5DE44-605B-4D3B-B2B7-94543DF81A36}" type="datetimeFigureOut">
               <a:rPr lang="ru-RU" smtClean="0"/>
               <a:pPr/>
-              <a:t>09.04.2021</a:t>
+              <a:t>24.04.2024</a:t>
             </a:fld>
             <a:endParaRPr lang="ru-RU"/>
           </a:p>
@@ -3489,10 +3488,10 @@
           <a:p>
             <a:pPr algn="ctr"/>
             <a:r>
-              <a:rPr lang="ru-RU" sz="2400" b="1" dirty="0" smtClean="0"/>
+              <a:rPr lang="ru-RU" sz="2400" b="1" dirty="0"/>
               <a:t>44 фокусов</a:t>
             </a:r>
-            <a:endParaRPr lang="en-US" sz="2400" b="1" dirty="0" smtClean="0"/>
+            <a:endParaRPr lang="en-US" sz="2400" b="1" dirty="0"/>
           </a:p>
         </p:txBody>
       </p:sp>
@@ -3533,10 +3532,9 @@
           <a:p>
             <a:pPr algn="ctr"/>
             <a:r>
-              <a:rPr lang="ru-RU" dirty="0" smtClean="0"/>
+              <a:rPr lang="ru-RU" dirty="0"/>
               <a:t>СОБЫТИЕ</a:t>
             </a:r>
-            <a:endParaRPr lang="ru-RU" dirty="0"/>
           </a:p>
         </p:txBody>
       </p:sp>
@@ -3682,18 +3680,13 @@
           <a:p>
             <a:pPr algn="ctr"/>
             <a:r>
-              <a:rPr lang="ru-RU" sz="1800" dirty="0" smtClean="0">
+              <a:rPr lang="ru-RU" sz="1800" dirty="0">
                 <a:solidFill>
                   <a:schemeClr val="bg1"/>
                 </a:solidFill>
               </a:rPr>
               <a:t>РЕШЕНИЯ</a:t>
             </a:r>
-            <a:endParaRPr lang="ru-RU" sz="1800" dirty="0">
-              <a:solidFill>
-                <a:schemeClr val="bg1"/>
-              </a:solidFill>
-            </a:endParaRPr>
           </a:p>
         </p:txBody>
       </p:sp>
@@ -3733,20 +3726,8 @@
           <a:p>
             <a:pPr algn="ctr"/>
             <a:r>
-              <a:rPr lang="ru-RU" sz="1400" dirty="0" smtClean="0"/>
-              <a:t>Глава </a:t>
-            </a:r>
-            <a:r>
               <a:rPr lang="ru-RU" sz="1400" dirty="0"/>
-              <a:t>ВМФ Теодор </a:t>
-            </a:r>
-            <a:r>
-              <a:rPr lang="ru-RU" sz="1400" dirty="0" smtClean="0"/>
-              <a:t>Спаде, генерал и </a:t>
-            </a:r>
-            <a:r>
-              <a:rPr lang="ru-RU" sz="1400" dirty="0"/>
-              <a:t>военный министр </a:t>
+              <a:t>Глава ВМФ Теодор Спаде, генерал и военный министр </a:t>
             </a:r>
             <a:r>
               <a:rPr lang="ru-RU" sz="1400" dirty="0" err="1"/>
@@ -3754,27 +3735,15 @@
             </a:r>
             <a:r>
               <a:rPr lang="ru-RU" sz="1400" dirty="0"/>
-              <a:t> </a:t>
-            </a:r>
-            <a:r>
-              <a:rPr lang="ru-RU" sz="1400" dirty="0" smtClean="0"/>
-              <a:t>Балодис, генерал </a:t>
+              <a:t> Балодис, генерал </a:t>
             </a:r>
             <a:r>
               <a:rPr lang="lv-LV" sz="1400" dirty="0"/>
-              <a:t>Andrejs </a:t>
-            </a:r>
-            <a:r>
-              <a:rPr lang="lv-LV" sz="1400" dirty="0" smtClean="0"/>
-              <a:t>Krustiņš</a:t>
-            </a:r>
-            <a:r>
-              <a:rPr lang="ru-RU" sz="1400" dirty="0" smtClean="0"/>
-              <a:t>, </a:t>
+              <a:t>Andrejs Krustiņš</a:t>
             </a:r>
             <a:r>
               <a:rPr lang="ru-RU" sz="1400" dirty="0"/>
-              <a:t>генерал кавалерии </a:t>
+              <a:t>, генерал кавалерии </a:t>
             </a:r>
             <a:r>
               <a:rPr lang="ru-RU" sz="1400" dirty="0" err="1"/>
@@ -3790,11 +3759,7 @@
             </a:r>
             <a:r>
               <a:rPr lang="ru-RU" sz="1400" dirty="0"/>
-              <a:t> Рудольф </a:t>
-            </a:r>
-            <a:r>
-              <a:rPr lang="ru-RU" sz="1400" dirty="0" smtClean="0"/>
-              <a:t>Букс, генерал </a:t>
+              <a:t> Рудольф Букс, генерал </a:t>
             </a:r>
             <a:r>
               <a:rPr lang="en-US" sz="1400" dirty="0" err="1"/>
@@ -3805,11 +3770,11 @@
               <a:t> </a:t>
             </a:r>
             <a:r>
-              <a:rPr lang="en-US" sz="1400" dirty="0" err="1" smtClean="0"/>
+              <a:rPr lang="en-US" sz="1400" dirty="0" err="1"/>
               <a:t>Dankers</a:t>
             </a:r>
             <a:r>
-              <a:rPr lang="ru-RU" sz="1400" dirty="0" smtClean="0"/>
+              <a:rPr lang="ru-RU" sz="1400" dirty="0"/>
               <a:t>, генерал </a:t>
             </a:r>
             <a:r>
@@ -3821,23 +3786,19 @@
               <a:t> </a:t>
             </a:r>
             <a:r>
-              <a:rPr lang="en-US" sz="1400" dirty="0" err="1" smtClean="0"/>
+              <a:rPr lang="en-US" sz="1400" dirty="0" err="1"/>
               <a:t>Virsaitis</a:t>
             </a:r>
             <a:r>
-              <a:rPr lang="ru-RU" sz="1400" dirty="0" smtClean="0"/>
+              <a:rPr lang="ru-RU" sz="1400" dirty="0"/>
               <a:t>, генерал</a:t>
             </a:r>
             <a:r>
               <a:rPr lang="lv-LV" sz="1400" dirty="0"/>
-              <a:t>Jānis </a:t>
-            </a:r>
-            <a:r>
-              <a:rPr lang="lv-LV" sz="1400" dirty="0" smtClean="0"/>
-              <a:t>Ezeriņš</a:t>
-            </a:r>
-            <a:r>
-              <a:rPr lang="ru-RU" sz="1400" dirty="0" smtClean="0"/>
+              <a:t>Jānis Ezeriņš</a:t>
+            </a:r>
+            <a:r>
+              <a:rPr lang="ru-RU" sz="1400" dirty="0"/>
               <a:t>, генерал </a:t>
             </a:r>
             <a:r>
@@ -3849,11 +3810,11 @@
               <a:t> </a:t>
             </a:r>
             <a:r>
-              <a:rPr lang="en-US" sz="1400" dirty="0" err="1" smtClean="0"/>
+              <a:rPr lang="en-US" sz="1400" dirty="0" err="1"/>
               <a:t>Klinsons</a:t>
             </a:r>
             <a:r>
-              <a:rPr lang="ru-RU" sz="1400" dirty="0" smtClean="0"/>
+              <a:rPr lang="ru-RU" sz="1400" dirty="0"/>
               <a:t>, генерал </a:t>
             </a:r>
             <a:r>
@@ -3865,23 +3826,19 @@
               <a:t> </a:t>
             </a:r>
             <a:r>
-              <a:rPr lang="en-US" sz="1400" dirty="0" err="1" smtClean="0"/>
+              <a:rPr lang="en-US" sz="1400" dirty="0" err="1"/>
               <a:t>Bahs</a:t>
             </a:r>
             <a:r>
-              <a:rPr lang="ru-RU" sz="1400" dirty="0" smtClean="0"/>
+              <a:rPr lang="ru-RU" sz="1400" dirty="0"/>
               <a:t>, фельдмаршал </a:t>
             </a:r>
             <a:r>
               <a:rPr lang="lv-LV" sz="1400" dirty="0"/>
-              <a:t>Krišjānis </a:t>
-            </a:r>
-            <a:r>
-              <a:rPr lang="lv-LV" sz="1400" dirty="0" smtClean="0"/>
-              <a:t>Berķis</a:t>
-            </a:r>
-            <a:r>
-              <a:rPr lang="ru-RU" sz="1400" dirty="0" smtClean="0"/>
+              <a:t>Krišjānis Berķis</a:t>
+            </a:r>
+            <a:r>
+              <a:rPr lang="ru-RU" sz="1400" dirty="0"/>
               <a:t>, генерал </a:t>
             </a:r>
             <a:r>
@@ -3893,11 +3850,11 @@
               <a:t> </a:t>
             </a:r>
             <a:r>
-              <a:rPr lang="en-US" sz="1400" dirty="0" err="1" smtClean="0"/>
+              <a:rPr lang="en-US" sz="1400" dirty="0" err="1"/>
               <a:t>Kurelis</a:t>
             </a:r>
             <a:r>
-              <a:rPr lang="ru-RU" sz="1400" dirty="0" smtClean="0"/>
+              <a:rPr lang="ru-RU" sz="1400" dirty="0"/>
               <a:t>, танковый и автомобильный генерал </a:t>
             </a:r>
             <a:r>
@@ -3949,10 +3906,9 @@
           <a:p>
             <a:pPr algn="ctr"/>
             <a:r>
-              <a:rPr lang="ru-RU" sz="3200" dirty="0" smtClean="0"/>
+              <a:rPr lang="ru-RU" sz="3200" dirty="0"/>
               <a:t>24</a:t>
             </a:r>
-            <a:endParaRPr lang="ru-RU" sz="3200" dirty="0"/>
           </a:p>
         </p:txBody>
       </p:sp>
@@ -3992,26 +3948,25 @@
           <a:p>
             <a:pPr algn="ctr"/>
             <a:r>
-              <a:rPr lang="ru-RU" sz="1400" u="sng" dirty="0" smtClean="0">
+              <a:rPr lang="ru-RU" sz="1400" u="sng" dirty="0">
                 <a:hlinkClick r:id="rId3" tooltip="22 апреля"/>
               </a:rPr>
               <a:t>22 апреля</a:t>
             </a:r>
             <a:r>
-              <a:rPr lang="ru-RU" sz="1400" dirty="0" smtClean="0"/>
+              <a:rPr lang="ru-RU" sz="1400" dirty="0"/>
               <a:t> </a:t>
             </a:r>
             <a:r>
-              <a:rPr lang="ru-RU" sz="1400" dirty="0" smtClean="0">
+              <a:rPr lang="ru-RU" sz="1400" dirty="0">
                 <a:hlinkClick r:id="rId4" tooltip="1936 год"/>
               </a:rPr>
               <a:t>1936 года</a:t>
             </a:r>
             <a:r>
-              <a:rPr lang="ru-RU" sz="1400" dirty="0" smtClean="0"/>
+              <a:rPr lang="ru-RU" sz="1400" dirty="0"/>
               <a:t> призвал латышей сажать деревья в память о разных событиях</a:t>
             </a:r>
-            <a:endParaRPr lang="ru-RU" sz="1400" dirty="0"/>
           </a:p>
         </p:txBody>
       </p:sp>
@@ -4051,10 +4006,9 @@
           <a:p>
             <a:pPr algn="ctr"/>
             <a:r>
-              <a:rPr lang="ru-RU" sz="1400" dirty="0" smtClean="0"/>
+              <a:rPr lang="ru-RU" sz="1400" dirty="0"/>
               <a:t>Закончить агарную реформу (закончить раздачу земель безземельным крестьянам)</a:t>
             </a:r>
-            <a:endParaRPr lang="ru-RU" sz="1400" dirty="0"/>
           </a:p>
         </p:txBody>
       </p:sp>
@@ -4094,18 +4048,17 @@
           <a:p>
             <a:pPr algn="ctr"/>
             <a:r>
-              <a:rPr lang="ru-RU" sz="1400" dirty="0" smtClean="0"/>
+              <a:rPr lang="ru-RU" sz="1400" dirty="0"/>
               <a:t>Расширить Рижский электротехнический завод «ВЭФ» (2 фабрики, в Таллине и </a:t>
             </a:r>
             <a:r>
-              <a:rPr lang="ru-RU" sz="1400" dirty="0" err="1" smtClean="0"/>
+              <a:rPr lang="ru-RU" sz="1400" dirty="0" err="1"/>
               <a:t>Куансе</a:t>
             </a:r>
             <a:r>
-              <a:rPr lang="ru-RU" sz="1400" dirty="0" smtClean="0"/>
+              <a:rPr lang="ru-RU" sz="1400" dirty="0"/>
               <a:t> и темпы электроники)</a:t>
             </a:r>
-            <a:endParaRPr lang="ru-RU" sz="1400" dirty="0"/>
           </a:p>
         </p:txBody>
       </p:sp>
@@ -4145,10 +4098,9 @@
           <a:p>
             <a:pPr algn="ctr"/>
             <a:r>
-              <a:rPr lang="ru-RU" sz="1400" dirty="0" smtClean="0"/>
+              <a:rPr lang="ru-RU" sz="1400" dirty="0"/>
               <a:t>Торговые представительства «ВЭФ» за рубежом (Хельсинки, Осло, Цюрихе и Лондоне)</a:t>
             </a:r>
-            <a:endParaRPr lang="ru-RU" sz="1400" dirty="0"/>
           </a:p>
         </p:txBody>
       </p:sp>
@@ -4188,18 +4140,17 @@
           <a:p>
             <a:pPr algn="ctr"/>
             <a:r>
-              <a:rPr lang="ru-RU" sz="1400" dirty="0" smtClean="0"/>
+              <a:rPr lang="ru-RU" sz="1400" dirty="0"/>
               <a:t>Строительство </a:t>
             </a:r>
             <a:r>
-              <a:rPr lang="ru-RU" sz="1400" dirty="0" err="1" smtClean="0"/>
+              <a:rPr lang="ru-RU" sz="1400" dirty="0" err="1"/>
               <a:t>Форд-Вайрогс</a:t>
             </a:r>
             <a:r>
-              <a:rPr lang="ru-RU" sz="1400" dirty="0" smtClean="0"/>
+              <a:rPr lang="ru-RU" sz="1400" dirty="0"/>
               <a:t> (+1 военный, ибо производили грузовики)</a:t>
             </a:r>
-            <a:endParaRPr lang="ru-RU" sz="1400" dirty="0"/>
           </a:p>
         </p:txBody>
       </p:sp>
@@ -4239,18 +4190,17 @@
           <a:p>
             <a:pPr algn="ctr"/>
             <a:r>
-              <a:rPr lang="ru-RU" sz="1400" dirty="0" smtClean="0"/>
+              <a:rPr lang="ru-RU" sz="1400" dirty="0"/>
               <a:t>Строительство </a:t>
             </a:r>
             <a:r>
-              <a:rPr lang="ru-RU" sz="1400" dirty="0" err="1" smtClean="0"/>
+              <a:rPr lang="ru-RU" sz="1400" dirty="0" err="1"/>
               <a:t>Кегумской</a:t>
             </a:r>
             <a:r>
-              <a:rPr lang="ru-RU" sz="1400" dirty="0" smtClean="0"/>
+              <a:rPr lang="ru-RU" sz="1400" dirty="0"/>
               <a:t> ГЭС</a:t>
             </a:r>
-            <a:endParaRPr lang="ru-RU" sz="1400" dirty="0"/>
           </a:p>
         </p:txBody>
       </p:sp>
@@ -4290,18 +4240,17 @@
           <a:p>
             <a:pPr algn="ctr"/>
             <a:r>
-              <a:rPr lang="ru-RU" sz="1400" dirty="0" smtClean="0"/>
+              <a:rPr lang="ru-RU" sz="1400" dirty="0"/>
               <a:t>Открыть санаторий </a:t>
             </a:r>
             <a:r>
-              <a:rPr lang="ru-RU" sz="1400" dirty="0" err="1" smtClean="0"/>
+              <a:rPr lang="ru-RU" sz="1400" dirty="0" err="1"/>
               <a:t>Кемери</a:t>
             </a:r>
             <a:r>
-              <a:rPr lang="ru-RU" sz="1400" dirty="0" smtClean="0"/>
+              <a:rPr lang="ru-RU" sz="1400" dirty="0"/>
               <a:t> (больнички)</a:t>
             </a:r>
-            <a:endParaRPr lang="ru-RU" sz="1400" dirty="0"/>
           </a:p>
         </p:txBody>
       </p:sp>
@@ -4346,11 +4295,11 @@
           <a:p>
             <a:pPr algn="ctr"/>
             <a:r>
-              <a:rPr lang="ru-RU" sz="1400" dirty="0" smtClean="0"/>
+              <a:rPr lang="ru-RU" sz="1400" dirty="0"/>
               <a:t>Закон об организации </a:t>
             </a:r>
             <a:r>
-              <a:rPr lang="ru-RU" sz="1400" dirty="0" err="1" smtClean="0"/>
+              <a:rPr lang="ru-RU" sz="1400" dirty="0" err="1"/>
               <a:t>айзсаргов</a:t>
             </a:r>
             <a:endParaRPr lang="ru-RU" sz="1400" dirty="0"/>
@@ -4398,10 +4347,9 @@
           <a:p>
             <a:pPr algn="ctr"/>
             <a:r>
-              <a:rPr lang="ru-RU" sz="1400" dirty="0" smtClean="0"/>
+              <a:rPr lang="ru-RU" sz="1400" dirty="0"/>
               <a:t>Организовать палату Труда</a:t>
             </a:r>
-            <a:endParaRPr lang="ru-RU" sz="1400" dirty="0"/>
           </a:p>
         </p:txBody>
       </p:sp>
@@ -4488,10 +4436,9 @@
           <a:p>
             <a:pPr algn="ctr"/>
             <a:r>
-              <a:rPr lang="ru-RU" sz="1400" dirty="0" smtClean="0"/>
+              <a:rPr lang="ru-RU" sz="1400" dirty="0"/>
               <a:t>Торговое соглашение с СССР</a:t>
             </a:r>
-            <a:endParaRPr lang="ru-RU" sz="1400" dirty="0"/>
           </a:p>
         </p:txBody>
       </p:sp>
@@ -4536,10 +4483,9 @@
           <a:p>
             <a:pPr algn="ctr"/>
             <a:r>
-              <a:rPr lang="ru-RU" sz="1400" dirty="0" smtClean="0"/>
+              <a:rPr lang="ru-RU" sz="1400" dirty="0"/>
               <a:t>Торговое соглашение с Германией</a:t>
             </a:r>
-            <a:endParaRPr lang="ru-RU" sz="1400" dirty="0"/>
           </a:p>
         </p:txBody>
       </p:sp>
@@ -4584,15 +4530,15 @@
           <a:p>
             <a:pPr algn="ctr"/>
             <a:r>
-              <a:rPr lang="ru-RU" sz="1400" dirty="0" smtClean="0"/>
+              <a:rPr lang="ru-RU" sz="1400" dirty="0"/>
               <a:t>Передать пост президента </a:t>
             </a:r>
             <a:r>
-              <a:rPr lang="ru-RU" sz="1400" dirty="0" err="1" smtClean="0"/>
+              <a:rPr lang="ru-RU" sz="1400" dirty="0" err="1"/>
               <a:t>Улманису</a:t>
             </a:r>
             <a:r>
-              <a:rPr lang="ru-RU" sz="1400" dirty="0" smtClean="0"/>
+              <a:rPr lang="ru-RU" sz="1400" dirty="0"/>
               <a:t> </a:t>
             </a:r>
             <a:r>
@@ -4651,12 +4597,8 @@
           <a:p>
             <a:pPr algn="ctr"/>
             <a:r>
-              <a:rPr lang="ru-RU" sz="1400" dirty="0" smtClean="0"/>
-              <a:t>Лидерство. Единство. Национализм</a:t>
-            </a:r>
-            <a:r>
               <a:rPr lang="ru-RU" sz="1400" dirty="0"/>
-              <a:t>. </a:t>
+              <a:t>Лидерство. Единство. Национализм. </a:t>
             </a:r>
             <a:r>
               <a:rPr lang="ru-RU" sz="400" dirty="0"/>
@@ -4668,13 +4610,8 @@
             </a:r>
             <a:r>
               <a:rPr lang="ru-RU" sz="400" dirty="0"/>
-              <a:t> занял пост президента, подчеркивали положительный аспект лидерства и авторитаризма</a:t>
-            </a:r>
-            <a:r>
-              <a:rPr lang="ru-RU" sz="400" dirty="0" smtClean="0"/>
-              <a:t>.)</a:t>
-            </a:r>
-            <a:endParaRPr lang="ru-RU" sz="400" dirty="0"/>
+              <a:t> занял пост президента, подчеркивали положительный аспект лидерства и авторитаризма.)</a:t>
+            </a:r>
           </a:p>
         </p:txBody>
       </p:sp>
@@ -4714,10 +4651,9 @@
           <a:p>
             <a:pPr algn="ctr"/>
             <a:r>
-              <a:rPr lang="ru-RU" sz="1400" dirty="0" smtClean="0"/>
+              <a:rPr lang="ru-RU" sz="1400" dirty="0"/>
               <a:t>Крупные инвестиции в инфраструктуру</a:t>
             </a:r>
-            <a:endParaRPr lang="ru-RU" sz="1400" dirty="0"/>
           </a:p>
         </p:txBody>
       </p:sp>
@@ -4762,12 +4698,8 @@
           <a:p>
             <a:pPr algn="ctr"/>
             <a:r>
-              <a:rPr lang="ru-RU" sz="1400" dirty="0" smtClean="0"/>
-              <a:t>Министерство по связям </a:t>
-            </a:r>
-            <a:r>
               <a:rPr lang="ru-RU" sz="1400" dirty="0"/>
-              <a:t>с общественностью </a:t>
+              <a:t>Министерство по связям с общественностью </a:t>
             </a:r>
             <a:r>
               <a:rPr lang="ru-RU" sz="300" dirty="0"/>
@@ -4779,13 +4711,8 @@
             </a:r>
             <a:r>
               <a:rPr lang="ru-RU" sz="300" dirty="0"/>
-              <a:t>» или «лидерство» в Латвии не возникло. В смысле исторических событий, школьных программ, монументальных построек и литературных произведений репертуар театров и концертов должен был руководствоваться духом лидерства, позитивизма и национализма</a:t>
-            </a:r>
-            <a:r>
-              <a:rPr lang="ru-RU" sz="300" dirty="0" smtClean="0"/>
-              <a:t>.)</a:t>
-            </a:r>
-            <a:endParaRPr lang="ru-RU" sz="300" dirty="0"/>
+              <a:t>» или «лидерство» в Латвии не возникло. В смысле исторических событий, школьных программ, монументальных построек и литературных произведений репертуар театров и концертов должен был руководствоваться духом лидерства, позитивизма и национализма.)</a:t>
+            </a:r>
           </a:p>
         </p:txBody>
       </p:sp>
@@ -4825,28 +4752,20 @@
           <a:p>
             <a:pPr algn="ctr"/>
             <a:r>
-              <a:rPr lang="ru-RU" sz="1400" dirty="0" err="1" smtClean="0"/>
+              <a:rPr lang="ru-RU" sz="1400" dirty="0" err="1"/>
               <a:t>Трейт</a:t>
-            </a:r>
-            <a:r>
-              <a:rPr lang="ru-RU" sz="1400" dirty="0" smtClean="0"/>
-              <a:t> </a:t>
-            </a:r>
-            <a:r>
-              <a:rPr lang="ru-RU" sz="1400" dirty="0" err="1" smtClean="0"/>
-              <a:t>Улманису</a:t>
             </a:r>
             <a:r>
               <a:rPr lang="ru-RU" sz="1400" dirty="0"/>
               <a:t> </a:t>
             </a:r>
             <a:r>
-              <a:rPr lang="ru-RU" sz="1400" dirty="0" smtClean="0"/>
-              <a:t>вскоре </a:t>
+              <a:rPr lang="ru-RU" sz="1400" dirty="0" err="1"/>
+              <a:t>Улманису</a:t>
             </a:r>
             <a:r>
               <a:rPr lang="ru-RU" sz="1400" dirty="0"/>
-              <a:t>после переворота </a:t>
+              <a:t> вскоре после переворота </a:t>
             </a:r>
             <a:r>
               <a:rPr lang="ru-RU" sz="1400" dirty="0" err="1"/>
@@ -4867,7 +4786,7 @@
         </p:nvSpPr>
         <p:spPr>
           <a:xfrm>
-            <a:off x="21395162" y="10236183"/>
+            <a:off x="20177061" y="11694746"/>
             <a:ext cx="2115918" cy="1080000"/>
           </a:xfrm>
           <a:prstGeom prst="rect">
@@ -4900,18 +4819,9 @@
           <a:p>
             <a:pPr algn="ctr"/>
             <a:r>
-              <a:rPr lang="ru-RU" sz="1400" dirty="0" smtClean="0"/>
-              <a:t>Создание </a:t>
-            </a:r>
-            <a:r>
               <a:rPr lang="ru-RU" sz="1400" dirty="0"/>
-              <a:t>военных баз СССР (октябре 1939 </a:t>
-            </a:r>
-            <a:r>
-              <a:rPr lang="ru-RU" sz="1400" dirty="0" smtClean="0"/>
-              <a:t>года)</a:t>
-            </a:r>
-            <a:endParaRPr lang="ru-RU" sz="1400" dirty="0"/>
+              <a:t>Создание военных баз СССР (октябре 1939 года)</a:t>
+            </a:r>
           </a:p>
         </p:txBody>
       </p:sp>
@@ -4961,13 +4871,8 @@
             </a:r>
             <a:r>
               <a:rPr lang="ru-RU" sz="700" dirty="0"/>
-              <a:t>(5 мая 1938 года была создана Профессиональная палата при Министерстве образования (объединяющая агрономов, архитекторов, врачей). , учителя, инженеры, юристы, химики, экономисты, ветеринары, стоматологи и др</a:t>
-            </a:r>
-            <a:r>
-              <a:rPr lang="ru-RU" sz="700" dirty="0" smtClean="0"/>
-              <a:t>.)</a:t>
-            </a:r>
-            <a:endParaRPr lang="ru-RU" sz="700" dirty="0"/>
+              <a:t>(5 мая 1938 года была создана Профессиональная палата при Министерстве образования (объединяющая агрономов, архитекторов, врачей). , учителя, инженеры, юристы, химики, экономисты, ветеринары, стоматологи и др.)</a:t>
+            </a:r>
           </a:p>
         </p:txBody>
       </p:sp>
@@ -5007,10 +4912,9 @@
           <a:p>
             <a:pPr algn="ctr"/>
             <a:r>
-              <a:rPr lang="ru-RU" sz="1400" dirty="0" smtClean="0"/>
+              <a:rPr lang="ru-RU" sz="1400" dirty="0"/>
               <a:t>Автаркия</a:t>
             </a:r>
-            <a:endParaRPr lang="ru-RU" sz="1400" dirty="0"/>
           </a:p>
         </p:txBody>
       </p:sp>
@@ -5146,12 +5050,8 @@
           <a:p>
             <a:pPr algn="ctr"/>
             <a:r>
-              <a:rPr lang="ru-RU" sz="1400" dirty="0" smtClean="0"/>
-              <a:t>«Бекон </a:t>
-            </a:r>
-            <a:r>
               <a:rPr lang="ru-RU" sz="1400" dirty="0"/>
-              <a:t>экспорт»</a:t>
+              <a:t>«Бекон экспорт»</a:t>
             </a:r>
             <a:r>
               <a:rPr lang="ru-RU" sz="800" dirty="0"/>
@@ -5640,15 +5540,15 @@
           <a:p>
             <a:pPr algn="ctr"/>
             <a:r>
-              <a:rPr lang="ru-RU" sz="1400" dirty="0" smtClean="0"/>
+              <a:rPr lang="ru-RU" sz="1400" dirty="0"/>
               <a:t>Выкупить акции </a:t>
             </a:r>
             <a:r>
-              <a:rPr lang="en-US" sz="1400" dirty="0" err="1" smtClean="0"/>
+              <a:rPr lang="en-US" sz="1400" dirty="0" err="1"/>
               <a:t>Fenikss</a:t>
             </a:r>
             <a:r>
-              <a:rPr lang="en-US" sz="1400" dirty="0" smtClean="0"/>
+              <a:rPr lang="en-US" sz="1400" dirty="0"/>
               <a:t> </a:t>
             </a:r>
             <a:r>
@@ -5748,12 +5648,8 @@
           <a:p>
             <a:pPr algn="ctr"/>
             <a:r>
-              <a:rPr lang="ru-RU" sz="1400" dirty="0" smtClean="0"/>
-              <a:t>Институт экономической </a:t>
-            </a:r>
-            <a:r>
               <a:rPr lang="ru-RU" sz="1400" dirty="0"/>
-              <a:t>рационализации </a:t>
+              <a:t>Институт экономической рационализации </a:t>
             </a:r>
             <a:r>
               <a:rPr lang="ru-RU" sz="200" dirty="0"/>
@@ -6002,10 +5898,9 @@
           <a:p>
             <a:pPr algn="ctr"/>
             <a:r>
-              <a:rPr lang="ru-RU" sz="1400" dirty="0" smtClean="0"/>
+              <a:rPr lang="ru-RU" sz="1400" dirty="0"/>
               <a:t>Модернизация портов Курляндии</a:t>
             </a:r>
-            <a:endParaRPr lang="ru-RU" sz="1400" dirty="0"/>
           </a:p>
         </p:txBody>
       </p:sp>
@@ -6045,10 +5940,9 @@
           <a:p>
             <a:pPr algn="ctr"/>
             <a:r>
-              <a:rPr lang="ru-RU" sz="1400" dirty="0" smtClean="0"/>
+              <a:rPr lang="ru-RU" sz="1400" dirty="0"/>
               <a:t>Судостроительные верфи Риги</a:t>
             </a:r>
-            <a:endParaRPr lang="ru-RU" sz="1400" dirty="0"/>
           </a:p>
         </p:txBody>
       </p:sp>
@@ -6124,12 +6018,8 @@
           <a:p>
             <a:pPr algn="ctr"/>
             <a:r>
-              <a:rPr lang="ru-RU" sz="1400" dirty="0" smtClean="0"/>
-              <a:t>Создание Латвийского </a:t>
-            </a:r>
-            <a:r>
               <a:rPr lang="ru-RU" sz="1400" dirty="0"/>
-              <a:t>флота (до 1938 года эскадрилья береговой охраны)</a:t>
+              <a:t>Создание Латвийского флота (до 1938 года эскадрилья береговой охраны)</a:t>
             </a:r>
           </a:p>
         </p:txBody>
@@ -6170,10 +6060,9 @@
           <a:p>
             <a:pPr algn="ctr"/>
             <a:r>
-              <a:rPr lang="ru-RU" sz="1200" dirty="0" smtClean="0"/>
+              <a:rPr lang="ru-RU" sz="1200" dirty="0"/>
               <a:t>4 эсминца, 2 подводных лодки, со старта изучено минирование кораблями, эсминцы с минированием, 6 морских истребителей</a:t>
             </a:r>
-            <a:endParaRPr lang="ru-RU" sz="1200" dirty="0"/>
           </a:p>
         </p:txBody>
       </p:sp>
@@ -6249,34 +6138,17 @@
           <a:p>
             <a:pPr algn="ctr"/>
             <a:r>
-              <a:rPr lang="ru-RU" sz="1200" dirty="0" smtClean="0"/>
+              <a:rPr lang="ru-RU" sz="1200" dirty="0"/>
               <a:t>30к солдат – стартовая армия Латвии, (1 </a:t>
             </a:r>
             <a:r>
-              <a:rPr lang="ru-RU" sz="1200" dirty="0" err="1" smtClean="0"/>
+              <a:rPr lang="ru-RU" sz="1200" dirty="0" err="1"/>
               <a:t>квавалерийский</a:t>
             </a:r>
             <a:r>
-              <a:rPr lang="ru-RU" sz="1200" dirty="0" smtClean="0"/>
-              <a:t> полк, 3 пехотных из 3 касок и 1 арты</a:t>
-            </a:r>
-            <a:r>
               <a:rPr lang="ru-RU" sz="1200" dirty="0"/>
-              <a:t>, </a:t>
-            </a:r>
-            <a:r>
-              <a:rPr lang="ru-RU" sz="1200" dirty="0" smtClean="0"/>
-              <a:t>1 пехотный </a:t>
-            </a:r>
-            <a:r>
-              <a:rPr lang="ru-RU" sz="1200" dirty="0"/>
-              <a:t>из 3 касок и 1 </a:t>
-            </a:r>
-            <a:r>
-              <a:rPr lang="ru-RU" sz="1200" dirty="0" smtClean="0"/>
-              <a:t>арты и 1 кавалерии </a:t>
-            </a:r>
-            <a:endParaRPr lang="ru-RU" sz="1200" dirty="0"/>
+              <a:t> полк, 3 пехотных из 3 касок и 1 арты, 1 пехотный из 3 касок и 1 арты и 1 кавалерии </a:t>
+            </a:r>
           </a:p>
           <a:p>
             <a:pPr algn="ctr"/>
@@ -6320,10 +6192,9 @@
           <a:p>
             <a:pPr algn="ctr"/>
             <a:r>
-              <a:rPr lang="ru-RU" sz="1400" dirty="0" smtClean="0"/>
+              <a:rPr lang="ru-RU" sz="1400" dirty="0"/>
               <a:t>Вооружённые силы Латвии</a:t>
             </a:r>
-            <a:endParaRPr lang="ru-RU" sz="1400" dirty="0"/>
           </a:p>
         </p:txBody>
       </p:sp>
@@ -6363,18 +6234,13 @@
           <a:p>
             <a:pPr algn="ctr"/>
             <a:r>
-              <a:rPr lang="ru-RU" sz="1400" dirty="0" smtClean="0"/>
+              <a:rPr lang="ru-RU" sz="1400" dirty="0"/>
               <a:t>Расширение латвийского сапёрного полка </a:t>
             </a:r>
             <a:r>
               <a:rPr lang="ru-RU" sz="600" dirty="0"/>
-              <a:t>(Саперный полк входил в состав фортификационных сооружений Вооруженных сил Латвии . 1939 . На 1 сентября в полку было 2 дивизиона с 6 украшениями. В его состав входили 41 офицер и 427 солдат и инструкторов, а также 11 человек на безвозмездной основе</a:t>
-            </a:r>
-            <a:r>
-              <a:rPr lang="ru-RU" sz="600" dirty="0" smtClean="0"/>
-              <a:t>.)</a:t>
-            </a:r>
-            <a:endParaRPr lang="ru-RU" sz="600" dirty="0"/>
+              <a:t>(Саперный полк входил в состав фортификационных сооружений Вооруженных сил Латвии . 1939 . На 1 сентября в полку было 2 дивизиона с 6 украшениями. В его состав входили 41 офицер и 427 солдат и инструкторов, а также 11 человек на безвозмездной основе.)</a:t>
+            </a:r>
           </a:p>
         </p:txBody>
       </p:sp>
@@ -6414,10 +6280,9 @@
           <a:p>
             <a:pPr algn="ctr"/>
             <a:r>
-              <a:rPr lang="ru-RU" sz="1400" dirty="0" smtClean="0"/>
+              <a:rPr lang="ru-RU" sz="1400" dirty="0"/>
               <a:t>Строительство мостов</a:t>
             </a:r>
-            <a:endParaRPr lang="ru-RU" sz="1400" dirty="0"/>
           </a:p>
         </p:txBody>
       </p:sp>
@@ -6458,11 +6323,7 @@
             <a:pPr algn="ctr"/>
             <a:r>
               <a:rPr lang="ru-RU" sz="1400" dirty="0"/>
-              <a:t>Реорганизация пограничной </a:t>
-            </a:r>
-            <a:r>
-              <a:rPr lang="ru-RU" sz="1400" dirty="0" smtClean="0"/>
-              <a:t>дивизии (+ генерал </a:t>
+              <a:t>Реорганизация пограничной дивизии (+ генерал </a:t>
             </a:r>
             <a:r>
               <a:rPr lang="en-US" sz="1400" dirty="0" err="1"/>
@@ -6473,11 +6334,11 @@
               <a:t> </a:t>
             </a:r>
             <a:r>
-              <a:rPr lang="en-US" sz="1400" dirty="0" err="1" smtClean="0"/>
+              <a:rPr lang="en-US" sz="1400" dirty="0" err="1"/>
               <a:t>Bolšteins</a:t>
             </a:r>
             <a:r>
-              <a:rPr lang="ru-RU" sz="1400" dirty="0" smtClean="0"/>
+              <a:rPr lang="ru-RU" sz="1400" dirty="0"/>
               <a:t> и +1 каска) </a:t>
             </a:r>
             <a:r>
@@ -6539,10 +6400,9 @@
           <a:p>
             <a:pPr algn="ctr"/>
             <a:r>
-              <a:rPr lang="ru-RU" sz="1400" dirty="0" smtClean="0"/>
+              <a:rPr lang="ru-RU" sz="1400" dirty="0"/>
               <a:t>Развитие береговой артиллерии</a:t>
             </a:r>
-            <a:endParaRPr lang="ru-RU" sz="1400" dirty="0"/>
           </a:p>
         </p:txBody>
       </p:sp>
@@ -6582,11 +6442,11 @@
           <a:p>
             <a:pPr algn="ctr"/>
             <a:r>
-              <a:rPr lang="ru-RU" sz="1400" dirty="0" smtClean="0"/>
+              <a:rPr lang="ru-RU" sz="1400" dirty="0"/>
               <a:t>Подводные лодки и </a:t>
             </a:r>
             <a:r>
-              <a:rPr lang="ru-RU" sz="1400" dirty="0" err="1" smtClean="0"/>
+              <a:rPr lang="ru-RU" sz="1400" dirty="0" err="1"/>
               <a:t>торпедостроение</a:t>
             </a:r>
             <a:endParaRPr lang="ru-RU" sz="1400" dirty="0"/>
@@ -6815,10 +6675,9 @@
           <a:p>
             <a:pPr algn="ctr"/>
             <a:r>
-              <a:rPr lang="ru-RU" sz="1400" dirty="0" smtClean="0"/>
+              <a:rPr lang="ru-RU" sz="1400" dirty="0"/>
               <a:t>Латвийский технический отдел</a:t>
             </a:r>
-            <a:endParaRPr lang="ru-RU" sz="1400" dirty="0"/>
           </a:p>
         </p:txBody>
       </p:sp>
@@ -6858,15 +6717,15 @@
           <a:p>
             <a:pPr algn="ctr"/>
             <a:r>
-              <a:rPr lang="ru-RU" sz="1400" dirty="0" smtClean="0"/>
+              <a:rPr lang="ru-RU" sz="1400" dirty="0"/>
               <a:t>Создание </a:t>
             </a:r>
             <a:r>
-              <a:rPr lang="ru-RU" sz="1400" dirty="0" err="1" smtClean="0"/>
+              <a:rPr lang="ru-RU" sz="1400" dirty="0" err="1"/>
               <a:t>зенитского</a:t>
             </a:r>
             <a:r>
-              <a:rPr lang="ru-RU" sz="1400" dirty="0" smtClean="0"/>
+              <a:rPr lang="ru-RU" sz="1400" dirty="0"/>
               <a:t> артиллерийского полка </a:t>
             </a:r>
             <a:r>
@@ -6895,13 +6754,8 @@
             </a:r>
             <a:r>
               <a:rPr lang="ru-RU" sz="300" dirty="0"/>
-              <a:t>, которую обучали инструкторы. Каждая зенитная батарея имела в среднем 4 пушки с экипажем из 40 человек, кабель управления, дальномер, предсказатель, телефон и радио-команду, всего 80 человек. Командир этого полка был также начальником ПВО Риги . [1</a:t>
-            </a:r>
-            <a:r>
-              <a:rPr lang="ru-RU" sz="300" dirty="0" smtClean="0"/>
-              <a:t>])</a:t>
-            </a:r>
-            <a:endParaRPr lang="ru-RU" sz="300" dirty="0"/>
+              <a:t>, которую обучали инструкторы. Каждая зенитная батарея имела в среднем 4 пушки с экипажем из 40 человек, кабель управления, дальномер, предсказатель, телефон и радио-команду, всего 80 человек. Командир этого полка был также начальником ПВО Риги . [1])</a:t>
+            </a:r>
           </a:p>
         </p:txBody>
       </p:sp>
@@ -6941,10 +6795,9 @@
           <a:p>
             <a:pPr algn="ctr"/>
             <a:r>
-              <a:rPr lang="ru-RU" sz="1400" dirty="0" smtClean="0"/>
+              <a:rPr lang="ru-RU" sz="1400" dirty="0"/>
               <a:t>Отдельная артиллерийская дивизия (для обучения артиллерийских офицеров)</a:t>
             </a:r>
-            <a:endParaRPr lang="ru-RU" sz="1400" dirty="0"/>
           </a:p>
         </p:txBody>
       </p:sp>
@@ -6985,13 +6838,8 @@
             <a:pPr algn="ctr"/>
             <a:r>
               <a:rPr lang="ru-RU" sz="1400" dirty="0"/>
-              <a:t>Дорожная танковая </a:t>
-            </a:r>
-            <a:r>
-              <a:rPr lang="ru-RU" sz="1400" dirty="0" smtClean="0"/>
-              <a:t>бригада (1 танковая дивизия, с оснащением 0,45)</a:t>
-            </a:r>
-            <a:endParaRPr lang="ru-RU" sz="1400" dirty="0"/>
+              <a:t>Дорожная танковая бригада (1 танковая дивизия, с оснащением 0,45)</a:t>
+            </a:r>
           </a:p>
         </p:txBody>
       </p:sp>
@@ -7179,10 +7027,9 @@
           <a:p>
             <a:pPr algn="ctr"/>
             <a:r>
-              <a:rPr lang="ru-RU" sz="1400" dirty="0" smtClean="0"/>
+              <a:rPr lang="ru-RU" sz="1400" dirty="0"/>
               <a:t>Модернизация батальона связи</a:t>
             </a:r>
-            <a:endParaRPr lang="ru-RU" sz="1400" dirty="0"/>
           </a:p>
         </p:txBody>
       </p:sp>
@@ -7294,10 +7141,9 @@
           <a:p>
             <a:pPr algn="ctr"/>
             <a:r>
-              <a:rPr lang="ru-RU" sz="1400" dirty="0" smtClean="0"/>
+              <a:rPr lang="ru-RU" sz="1400" dirty="0"/>
               <a:t>Авиационный полк</a:t>
             </a:r>
-            <a:endParaRPr lang="ru-RU" sz="1400" dirty="0"/>
           </a:p>
         </p:txBody>
       </p:sp>
@@ -7337,10 +7183,9 @@
           <a:p>
             <a:pPr algn="ctr"/>
             <a:r>
-              <a:rPr lang="ru-RU" sz="1400" dirty="0" smtClean="0"/>
+              <a:rPr lang="ru-RU" sz="1400" dirty="0"/>
               <a:t>Оборудовать завод ВЭФ под самолётостроение (+1 военный завод)</a:t>
             </a:r>
-            <a:endParaRPr lang="ru-RU" sz="1400" dirty="0"/>
           </a:p>
         </p:txBody>
       </p:sp>
@@ -7418,19 +7263,19 @@
           <a:p>
             <a:pPr algn="ctr"/>
             <a:r>
-              <a:rPr lang="ru-RU" sz="1400" dirty="0" smtClean="0"/>
+              <a:rPr lang="ru-RU" sz="1400" dirty="0"/>
               <a:t>Создание собственных бомбардировщиков (</a:t>
             </a:r>
             <a:r>
-              <a:rPr lang="en-US" sz="1400" dirty="0" err="1" smtClean="0"/>
+              <a:rPr lang="en-US" sz="1400" dirty="0" err="1"/>
               <a:t>Cukurs</a:t>
             </a:r>
             <a:r>
-              <a:rPr lang="en-US" sz="1400" dirty="0" smtClean="0"/>
+              <a:rPr lang="en-US" sz="1400" dirty="0"/>
               <a:t> C-6bis</a:t>
             </a:r>
             <a:r>
-              <a:rPr lang="ru-RU" sz="1400" dirty="0" smtClean="0"/>
+              <a:rPr lang="ru-RU" sz="1400" dirty="0"/>
               <a:t>)</a:t>
             </a:r>
           </a:p>
@@ -7546,10 +7391,9 @@
           <a:p>
             <a:pPr algn="ctr"/>
             <a:r>
-              <a:rPr lang="ru-RU" sz="1400" dirty="0" smtClean="0"/>
+              <a:rPr lang="ru-RU" sz="1400" dirty="0"/>
               <a:t>Создание морской разведывательной эскадрильи (эскадрилья гидросамолётов)</a:t>
             </a:r>
-            <a:endParaRPr lang="ru-RU" sz="1400" dirty="0"/>
           </a:p>
         </p:txBody>
       </p:sp>
@@ -7589,18 +7433,17 @@
           <a:p>
             <a:pPr algn="ctr"/>
             <a:r>
-              <a:rPr lang="ru-RU" sz="1400" dirty="0" smtClean="0"/>
+              <a:rPr lang="ru-RU" sz="1400" dirty="0"/>
               <a:t>Создание собственных истребителей (</a:t>
             </a:r>
             <a:r>
-              <a:rPr lang="en-US" sz="1400" dirty="0" smtClean="0"/>
+              <a:rPr lang="en-US" sz="1400" dirty="0"/>
               <a:t>VEF I-16</a:t>
             </a:r>
             <a:r>
-              <a:rPr lang="ru-RU" sz="1400" dirty="0" smtClean="0"/>
+              <a:rPr lang="ru-RU" sz="1400" dirty="0"/>
               <a:t>)</a:t>
             </a:r>
-            <a:endParaRPr lang="ru-RU" sz="1400" dirty="0"/>
           </a:p>
         </p:txBody>
       </p:sp>
@@ -7678,22 +7521,17 @@
           <a:p>
             <a:pPr algn="ctr"/>
             <a:r>
-              <a:rPr lang="ru-RU" sz="1400" dirty="0" smtClean="0"/>
-              <a:t>Создание базы </a:t>
-            </a:r>
-            <a:r>
               <a:rPr lang="ru-RU" sz="1400" dirty="0"/>
-              <a:t>Морской авиации (Базы морской авиации находились в Лиепае и </a:t>
-            </a:r>
-            <a:r>
-              <a:rPr lang="ru-RU" sz="1400" dirty="0" err="1" smtClean="0"/>
+              <a:t>Создание базы Морской авиации (Базы морской авиации находились в Лиепае и </a:t>
+            </a:r>
+            <a:r>
+              <a:rPr lang="ru-RU" sz="1400" dirty="0" err="1"/>
               <a:t>Усме</a:t>
             </a:r>
             <a:r>
-              <a:rPr lang="ru-RU" sz="1400" dirty="0" smtClean="0"/>
+              <a:rPr lang="ru-RU" sz="1400" dirty="0"/>
               <a:t>)</a:t>
             </a:r>
-            <a:endParaRPr lang="ru-RU" sz="1400" dirty="0"/>
           </a:p>
         </p:txBody>
       </p:sp>
@@ -7733,12 +7571,8 @@
           <a:p>
             <a:pPr algn="ctr"/>
             <a:r>
-              <a:rPr lang="ru-RU" sz="1400" dirty="0" smtClean="0"/>
-              <a:t>Создание </a:t>
-            </a:r>
-            <a:r>
               <a:rPr lang="ru-RU" sz="1400" dirty="0"/>
-              <a:t>вспомогательных аэродромов </a:t>
+              <a:t>Создание вспомогательных аэродромов </a:t>
             </a:r>
             <a:r>
               <a:rPr lang="ru-RU" sz="700" dirty="0"/>
@@ -7798,13 +7632,8 @@
             </a:r>
             <a:r>
               <a:rPr lang="ru-RU" sz="700" dirty="0"/>
-              <a:t> </a:t>
-            </a:r>
-            <a:r>
-              <a:rPr lang="ru-RU" sz="700" dirty="0" smtClean="0"/>
-              <a:t>))</a:t>
-            </a:r>
-            <a:endParaRPr lang="ru-RU" sz="700" dirty="0"/>
+              <a:t> ))</a:t>
+            </a:r>
           </a:p>
         </p:txBody>
       </p:sp>
@@ -7921,14 +7750,13 @@
           <a:p>
             <a:pPr algn="ctr"/>
             <a:r>
-              <a:rPr lang="ru-RU" sz="1400" dirty="0" err="1" smtClean="0"/>
+              <a:rPr lang="ru-RU" sz="1400" dirty="0" err="1"/>
               <a:t>Земгальское</a:t>
             </a:r>
             <a:r>
-              <a:rPr lang="ru-RU" sz="1400" dirty="0" smtClean="0"/>
+              <a:rPr lang="ru-RU" sz="1400" dirty="0"/>
               <a:t> наследие</a:t>
             </a:r>
-            <a:endParaRPr lang="ru-RU" sz="1400" dirty="0"/>
           </a:p>
         </p:txBody>
       </p:sp>
@@ -7973,10 +7801,9 @@
           <a:p>
             <a:pPr algn="ctr"/>
             <a:r>
-              <a:rPr lang="ru-RU" sz="1400" dirty="0" smtClean="0"/>
+              <a:rPr lang="ru-RU" sz="1400" dirty="0"/>
               <a:t>Претензии на Литовские земли</a:t>
             </a:r>
-            <a:endParaRPr lang="ru-RU" sz="1400" dirty="0"/>
           </a:p>
         </p:txBody>
       </p:sp>
@@ -8022,11 +7849,7 @@
             <a:pPr algn="ctr"/>
             <a:r>
               <a:rPr lang="ru-RU" sz="1400" dirty="0"/>
-              <a:t>Пакт о взаимопомощи между Латвией и </a:t>
-            </a:r>
-            <a:r>
-              <a:rPr lang="ru-RU" sz="1400" dirty="0" smtClean="0"/>
-              <a:t>СССР (право на проход войск и пользование портами) </a:t>
+              <a:t>Пакт о взаимопомощи между Латвией и СССР (право на проход войск и пользование портами) </a:t>
             </a:r>
             <a:r>
               <a:rPr lang="ru-RU" sz="600" dirty="0"/>
@@ -8037,10 +7860,9 @@
               <a:t>Питрагсом</a:t>
             </a:r>
             <a:r>
-              <a:rPr lang="ru-RU" sz="600" dirty="0" smtClean="0"/>
+              <a:rPr lang="ru-RU" sz="600" dirty="0"/>
               <a:t>.)</a:t>
             </a:r>
-            <a:endParaRPr lang="ru-RU" sz="600" dirty="0"/>
           </a:p>
         </p:txBody>
       </p:sp>
@@ -8085,11 +7907,11 @@
           <a:p>
             <a:pPr algn="ctr"/>
             <a:r>
-              <a:rPr lang="ru-RU" sz="1400" dirty="0" smtClean="0"/>
+              <a:rPr lang="ru-RU" sz="1400" dirty="0"/>
               <a:t>Пакт </a:t>
             </a:r>
             <a:r>
-              <a:rPr lang="ru-RU" sz="1400" dirty="0" err="1" smtClean="0"/>
+              <a:rPr lang="ru-RU" sz="1400" dirty="0" err="1"/>
               <a:t>Мунтерса-Рибентроппа</a:t>
             </a:r>
             <a:endParaRPr lang="ru-RU" sz="1400" dirty="0"/>
@@ -8373,12 +8195,12 @@
         </p:nvCxnSpPr>
         <p:spPr>
           <a:xfrm rot="16200000" flipH="1">
-            <a:off x="21016957" y="8800018"/>
-            <a:ext cx="378563" cy="2493766"/>
+            <a:off x="19678624" y="10138350"/>
+            <a:ext cx="1837126" cy="1275665"/>
           </a:xfrm>
           <a:prstGeom prst="bentConnector3">
             <a:avLst>
-              <a:gd name="adj1" fmla="val 50000"/>
+              <a:gd name="adj1" fmla="val 10705"/>
             </a:avLst>
           </a:prstGeom>
           <a:ln w="28575">
@@ -8441,10 +8263,9 @@
           <a:p>
             <a:pPr algn="ctr"/>
             <a:r>
-              <a:rPr lang="ru-RU" sz="1400" dirty="0" smtClean="0"/>
+              <a:rPr lang="ru-RU" sz="1400" dirty="0"/>
               <a:t>Один между гигантами (Если Балодис не отстранён, то он устроит переворот в случае ультиматума от СССР)</a:t>
             </a:r>
-            <a:endParaRPr lang="ru-RU" sz="1400" dirty="0"/>
           </a:p>
         </p:txBody>
       </p:sp>
@@ -8489,10 +8310,9 @@
           <a:p>
             <a:pPr algn="ctr"/>
             <a:r>
-              <a:rPr lang="ru-RU" sz="1400" dirty="0" smtClean="0"/>
+              <a:rPr lang="ru-RU" sz="1400" dirty="0"/>
               <a:t>Вступить в Ось</a:t>
             </a:r>
-            <a:endParaRPr lang="ru-RU" sz="1400" dirty="0"/>
           </a:p>
         </p:txBody>
       </p:sp>
@@ -8609,10 +8429,9 @@
           <a:p>
             <a:pPr algn="ctr"/>
             <a:r>
-              <a:rPr lang="ru-RU" sz="1400" dirty="0" smtClean="0"/>
+              <a:rPr lang="ru-RU" sz="1400" dirty="0"/>
               <a:t>Реконструкция Старой Риги</a:t>
             </a:r>
-            <a:endParaRPr lang="ru-RU" sz="1400" dirty="0"/>
           </a:p>
         </p:txBody>
       </p:sp>
@@ -8889,7 +8708,7 @@
           <a:p>
             <a:pPr algn="ctr"/>
             <a:r>
-              <a:rPr lang="ru-RU" sz="1400" dirty="0" err="1" smtClean="0"/>
+              <a:rPr lang="ru-RU" sz="1400" dirty="0" err="1"/>
               <a:t>Леттизация</a:t>
             </a:r>
             <a:endParaRPr lang="ru-RU" sz="1400" dirty="0"/>
@@ -9010,11 +8829,11 @@
           <a:p>
             <a:pPr algn="ctr"/>
             <a:r>
-              <a:rPr lang="ru-RU" sz="1400" dirty="0" smtClean="0"/>
+              <a:rPr lang="ru-RU" sz="1400" dirty="0"/>
               <a:t>Отстранить </a:t>
             </a:r>
             <a:r>
-              <a:rPr lang="ru-RU" sz="1400" dirty="0" err="1" smtClean="0"/>
+              <a:rPr lang="ru-RU" sz="1400" dirty="0" err="1"/>
               <a:t>Ульманиса</a:t>
             </a:r>
             <a:endParaRPr lang="ru-RU" sz="1400" dirty="0"/>
@@ -9101,10 +8920,9 @@
           <a:p>
             <a:pPr algn="ctr"/>
             <a:r>
-              <a:rPr lang="ru-RU" sz="1400" dirty="0" smtClean="0"/>
+              <a:rPr lang="ru-RU" sz="1400" dirty="0"/>
               <a:t>Трудовой и социалистический интернационал</a:t>
             </a:r>
-            <a:endParaRPr lang="ru-RU" sz="1400" dirty="0"/>
           </a:p>
         </p:txBody>
       </p:sp>
@@ -9150,22 +8968,17 @@
           <a:p>
             <a:pPr algn="ctr"/>
             <a:r>
-              <a:rPr lang="ru-RU" sz="1400" dirty="0" smtClean="0"/>
+              <a:rPr lang="ru-RU" sz="1400" dirty="0"/>
               <a:t>Проект второй части конституции (</a:t>
             </a:r>
             <a:r>
               <a:rPr lang="lv-LV" sz="1400" dirty="0"/>
-              <a:t>Latvijas Satversmes 2. daļas </a:t>
-            </a:r>
-            <a:r>
-              <a:rPr lang="lv-LV" sz="1400" dirty="0" smtClean="0"/>
-              <a:t>projekts</a:t>
-            </a:r>
-            <a:r>
-              <a:rPr lang="ru-RU" sz="1400" dirty="0" smtClean="0"/>
+              <a:t>Latvijas Satversmes 2. daļas projekts</a:t>
+            </a:r>
+            <a:r>
+              <a:rPr lang="ru-RU" sz="1400" dirty="0"/>
               <a:t>)</a:t>
             </a:r>
-            <a:endParaRPr lang="ru-RU" sz="1400" dirty="0"/>
           </a:p>
         </p:txBody>
       </p:sp>
@@ -9205,10 +9018,9 @@
           <a:p>
             <a:pPr algn="ctr"/>
             <a:r>
-              <a:rPr lang="ru-RU" sz="1400" dirty="0" smtClean="0"/>
+              <a:rPr lang="ru-RU" sz="1400" dirty="0"/>
               <a:t>Балтийское сотрудничество</a:t>
             </a:r>
-            <a:endParaRPr lang="ru-RU" sz="1400" dirty="0"/>
           </a:p>
         </p:txBody>
       </p:sp>
@@ -9480,10 +9292,9 @@
           <a:p>
             <a:pPr algn="ctr"/>
             <a:r>
-              <a:rPr lang="ru-RU" sz="1400" dirty="0" smtClean="0"/>
+              <a:rPr lang="ru-RU" sz="1400" dirty="0"/>
               <a:t>Амнистия политзаключённых</a:t>
             </a:r>
-            <a:endParaRPr lang="ru-RU" sz="1400" dirty="0"/>
           </a:p>
         </p:txBody>
       </p:sp>
@@ -9529,10 +9340,9 @@
           <a:p>
             <a:pPr algn="ctr"/>
             <a:r>
-              <a:rPr lang="ru-RU" sz="1400" dirty="0" smtClean="0"/>
+              <a:rPr lang="ru-RU" sz="1400" dirty="0"/>
               <a:t>Собрание нового сейма</a:t>
             </a:r>
-            <a:endParaRPr lang="ru-RU" sz="1400" dirty="0"/>
           </a:p>
         </p:txBody>
       </p:sp>
@@ -9578,10 +9388,9 @@
           <a:p>
             <a:pPr algn="ctr"/>
             <a:r>
-              <a:rPr lang="ru-RU" sz="1400" dirty="0" smtClean="0"/>
+              <a:rPr lang="ru-RU" sz="1400" dirty="0"/>
               <a:t>Свобода вероисповедания и культурных ценностей</a:t>
             </a:r>
-            <a:endParaRPr lang="ru-RU" sz="1400" dirty="0"/>
           </a:p>
         </p:txBody>
       </p:sp>
@@ -9627,10 +9436,9 @@
           <a:p>
             <a:pPr algn="ctr"/>
             <a:r>
-              <a:rPr lang="ru-RU" sz="1400" dirty="0" smtClean="0"/>
+              <a:rPr lang="ru-RU" sz="1400" dirty="0"/>
               <a:t>Бесплатное и обязательное образование</a:t>
             </a:r>
-            <a:endParaRPr lang="ru-RU" sz="1400" dirty="0"/>
           </a:p>
         </p:txBody>
       </p:sp>
@@ -9676,10 +9484,9 @@
           <a:p>
             <a:pPr algn="ctr"/>
             <a:r>
-              <a:rPr lang="ru-RU" sz="1400" dirty="0" smtClean="0"/>
+              <a:rPr lang="ru-RU" sz="1400" dirty="0"/>
               <a:t>Свобода меньшинств</a:t>
             </a:r>
-            <a:endParaRPr lang="ru-RU" sz="1400" dirty="0"/>
           </a:p>
         </p:txBody>
       </p:sp>
@@ -9725,10 +9532,9 @@
           <a:p>
             <a:pPr algn="ctr"/>
             <a:r>
-              <a:rPr lang="ru-RU" sz="1400" dirty="0" smtClean="0"/>
+              <a:rPr lang="ru-RU" sz="1400" dirty="0"/>
               <a:t>Верность Союзникам</a:t>
             </a:r>
-            <a:endParaRPr lang="ru-RU" sz="1400" dirty="0"/>
           </a:p>
         </p:txBody>
       </p:sp>
@@ -9768,10 +9574,9 @@
           <a:p>
             <a:pPr algn="ctr"/>
             <a:r>
-              <a:rPr lang="ru-RU" sz="1400" dirty="0" smtClean="0"/>
+              <a:rPr lang="ru-RU" sz="1400" dirty="0"/>
               <a:t>Сотрудничество с Эстонией</a:t>
             </a:r>
-            <a:endParaRPr lang="ru-RU" sz="1400" dirty="0"/>
           </a:p>
         </p:txBody>
       </p:sp>
@@ -9811,10 +9616,9 @@
           <a:p>
             <a:pPr algn="ctr"/>
             <a:r>
-              <a:rPr lang="ru-RU" sz="1400" dirty="0" smtClean="0"/>
+              <a:rPr lang="ru-RU" sz="1400" dirty="0"/>
               <a:t>Сотрудничество с Литвой</a:t>
             </a:r>
-            <a:endParaRPr lang="ru-RU" sz="1400" dirty="0"/>
           </a:p>
         </p:txBody>
       </p:sp>
@@ -9930,10 +9734,9 @@
           <a:p>
             <a:pPr algn="ctr"/>
             <a:r>
-              <a:rPr lang="ru-RU" sz="1400" dirty="0" smtClean="0"/>
+              <a:rPr lang="ru-RU" sz="1400" dirty="0"/>
               <a:t>Взаимное развитие науки</a:t>
             </a:r>
-            <a:endParaRPr lang="ru-RU" sz="1400" dirty="0"/>
           </a:p>
         </p:txBody>
       </p:sp>
@@ -10015,10 +9818,9 @@
           <a:p>
             <a:pPr algn="ctr"/>
             <a:r>
-              <a:rPr lang="ru-RU" sz="1400" dirty="0" smtClean="0"/>
+              <a:rPr lang="ru-RU" sz="1400" dirty="0"/>
               <a:t>Поддержка экономики западом</a:t>
             </a:r>
-            <a:endParaRPr lang="ru-RU" sz="1400" dirty="0"/>
           </a:p>
         </p:txBody>
       </p:sp>
@@ -10404,10 +10206,9 @@
           <a:p>
             <a:pPr algn="ctr"/>
             <a:r>
-              <a:rPr lang="ru-RU" sz="1400" dirty="0" smtClean="0"/>
+              <a:rPr lang="ru-RU" sz="1400" dirty="0"/>
               <a:t>Соблюдение нейтралитета</a:t>
             </a:r>
-            <a:endParaRPr lang="ru-RU" sz="1400" dirty="0"/>
           </a:p>
         </p:txBody>
       </p:sp>
@@ -10603,14 +10404,10 @@
             <a:pPr algn="ctr"/>
             <a:r>
               <a:rPr lang="ru-RU" sz="1400" dirty="0"/>
-              <a:t>Рабочий спорт и охрана ( ССС , в просторечии - саранча</a:t>
-            </a:r>
-            <a:r>
-              <a:rPr lang="ru-RU" sz="1400" dirty="0" smtClean="0"/>
-              <a:t>) </a:t>
-            </a:r>
-            <a:r>
-              <a:rPr lang="ru-RU" sz="1100" dirty="0" smtClean="0"/>
+              <a:t>Рабочий спорт и охрана ( ССС , в просторечии - саранча) </a:t>
+            </a:r>
+            <a:r>
+              <a:rPr lang="ru-RU" sz="1100" dirty="0"/>
               <a:t>(</a:t>
             </a:r>
             <a:r>
@@ -10618,10 +10415,9 @@
               <a:t>https://lv.wikipedia.org/wiki/Strādnieku_sports_un_sargs</a:t>
             </a:r>
             <a:r>
-              <a:rPr lang="ru-RU" sz="1100" dirty="0" smtClean="0"/>
+              <a:rPr lang="ru-RU" sz="1100" dirty="0"/>
               <a:t>)</a:t>
             </a:r>
-            <a:endParaRPr lang="ru-RU" sz="1100" dirty="0"/>
           </a:p>
         </p:txBody>
       </p:sp>
@@ -10781,10 +10577,9 @@
           <a:p>
             <a:pPr algn="ctr"/>
             <a:r>
-              <a:rPr lang="ru-RU" sz="1400" dirty="0" smtClean="0"/>
+              <a:rPr lang="ru-RU" sz="1400" dirty="0"/>
               <a:t>Присоединиться к научной группе</a:t>
             </a:r>
-            <a:endParaRPr lang="ru-RU" sz="1400" dirty="0"/>
           </a:p>
         </p:txBody>
       </p:sp>
@@ -10862,10 +10657,9 @@
           <a:p>
             <a:pPr algn="ctr"/>
             <a:r>
-              <a:rPr lang="ru-RU" sz="1400" dirty="0" smtClean="0"/>
+              <a:rPr lang="ru-RU" sz="1400" dirty="0"/>
               <a:t>Взаимное развитие экономики</a:t>
             </a:r>
-            <a:endParaRPr lang="ru-RU" sz="1400" dirty="0"/>
           </a:p>
         </p:txBody>
       </p:sp>
@@ -10946,10 +10740,9 @@
           <a:p>
             <a:pPr algn="ctr"/>
             <a:r>
-              <a:rPr lang="ru-RU" sz="1400" dirty="0" smtClean="0"/>
+              <a:rPr lang="ru-RU" sz="1400" dirty="0"/>
               <a:t>Вступить научную группу Оси</a:t>
             </a:r>
-            <a:endParaRPr lang="ru-RU" sz="1400" dirty="0"/>
           </a:p>
         </p:txBody>
       </p:sp>
@@ -10994,10 +10787,9 @@
           <a:p>
             <a:pPr algn="ctr"/>
             <a:r>
-              <a:rPr lang="ru-RU" sz="1400" dirty="0" smtClean="0"/>
+              <a:rPr lang="ru-RU" sz="1400" dirty="0"/>
               <a:t>Немецкие лицензии</a:t>
             </a:r>
-            <a:endParaRPr lang="ru-RU" sz="1400" dirty="0"/>
           </a:p>
         </p:txBody>
       </p:sp>
@@ -11111,18 +10903,10 @@
           <a:p>
             <a:pPr algn="ctr"/>
             <a:r>
-              <a:rPr lang="ru-RU" sz="2400" b="1" dirty="0" smtClean="0"/>
-              <a:t>6</a:t>
-            </a:r>
-            <a:r>
               <a:rPr lang="ru-RU" sz="2400" b="1" dirty="0"/>
-              <a:t>1</a:t>
-            </a:r>
-            <a:r>
-              <a:rPr lang="ru-RU" sz="2400" b="1" dirty="0" smtClean="0"/>
-              <a:t> фокусов</a:t>
-            </a:r>
-            <a:endParaRPr lang="en-US" sz="2400" b="1" dirty="0" smtClean="0"/>
+              <a:t>61 фокусов</a:t>
+            </a:r>
+            <a:endParaRPr lang="en-US" sz="2400" b="1" dirty="0"/>
           </a:p>
         </p:txBody>
       </p:sp>
@@ -11167,11 +10951,11 @@
           <a:p>
             <a:pPr algn="ctr"/>
             <a:r>
-              <a:rPr lang="ru-RU" sz="1400" dirty="0" smtClean="0"/>
+              <a:rPr lang="ru-RU" sz="1400" dirty="0"/>
               <a:t>Восстание </a:t>
             </a:r>
             <a:r>
-              <a:rPr lang="ru-RU" sz="1400" dirty="0" err="1" smtClean="0"/>
+              <a:rPr lang="ru-RU" sz="1400" dirty="0" err="1"/>
               <a:t>айзсаргов</a:t>
             </a:r>
             <a:endParaRPr lang="ru-RU" sz="1400" dirty="0"/>
@@ -11257,22 +11041,17 @@
           <a:p>
             <a:pPr algn="ctr"/>
             <a:r>
-              <a:rPr lang="ru-RU" sz="1400" dirty="0" smtClean="0"/>
+              <a:rPr lang="ru-RU" sz="1400" dirty="0"/>
               <a:t>Партия громового креста (</a:t>
             </a:r>
             <a:r>
               <a:rPr lang="lv-LV" sz="1400" dirty="0"/>
-              <a:t>Gustavs </a:t>
-            </a:r>
-            <a:r>
-              <a:rPr lang="lv-LV" sz="1400" dirty="0" smtClean="0"/>
-              <a:t>Celmiņš</a:t>
-            </a:r>
-            <a:r>
-              <a:rPr lang="ru-RU" sz="1400" dirty="0" smtClean="0"/>
+              <a:t>Gustavs Celmiņš</a:t>
+            </a:r>
+            <a:r>
+              <a:rPr lang="ru-RU" sz="1400" dirty="0"/>
               <a:t>)</a:t>
             </a:r>
-            <a:endParaRPr lang="ru-RU" sz="1400" dirty="0"/>
           </a:p>
         </p:txBody>
       </p:sp>
@@ -11353,10 +11132,9 @@
           <a:p>
             <a:pPr algn="ctr"/>
             <a:r>
-              <a:rPr lang="ru-RU" sz="1400" dirty="0" smtClean="0"/>
+              <a:rPr lang="ru-RU" sz="1400" dirty="0"/>
               <a:t>Подготовка в военно-спортивных лагерях</a:t>
             </a:r>
-            <a:endParaRPr lang="ru-RU" sz="1400" dirty="0"/>
           </a:p>
         </p:txBody>
       </p:sp>
@@ -11401,10 +11179,9 @@
           <a:p>
             <a:pPr algn="ctr"/>
             <a:r>
-              <a:rPr lang="ru-RU" sz="1400" dirty="0" smtClean="0"/>
+              <a:rPr lang="ru-RU" sz="1400" dirty="0"/>
               <a:t>Свободное использование оружия для латышей</a:t>
             </a:r>
-            <a:endParaRPr lang="ru-RU" sz="1400" dirty="0"/>
           </a:p>
         </p:txBody>
       </p:sp>
@@ -11449,10 +11226,9 @@
           <a:p>
             <a:pPr algn="ctr"/>
             <a:r>
-              <a:rPr lang="ru-RU" sz="1400" dirty="0" smtClean="0"/>
+              <a:rPr lang="ru-RU" sz="1400" dirty="0"/>
               <a:t>Вступить в фашистский интернационал (Союз с Италией)</a:t>
             </a:r>
-            <a:endParaRPr lang="ru-RU" sz="1400" dirty="0"/>
           </a:p>
         </p:txBody>
       </p:sp>
@@ -11497,12 +11273,8 @@
           <a:p>
             <a:pPr algn="ctr"/>
             <a:r>
-              <a:rPr lang="ru-RU" sz="1400" dirty="0" smtClean="0"/>
-              <a:t>«</a:t>
-            </a:r>
-            <a:r>
               <a:rPr lang="ru-RU" sz="1400" dirty="0"/>
-              <a:t>Страж отчизны» </a:t>
+              <a:t>«Страж отчизны» </a:t>
             </a:r>
             <a:r>
               <a:rPr lang="ru-RU" sz="400" dirty="0"/>
@@ -11592,10 +11364,9 @@
           <a:p>
             <a:pPr algn="ctr"/>
             <a:r>
-              <a:rPr lang="ru-RU" sz="1400" dirty="0" smtClean="0"/>
+              <a:rPr lang="ru-RU" sz="1400" dirty="0"/>
               <a:t>Латвия для латышей! (- евреи, - немцы, -русские)</a:t>
             </a:r>
-            <a:endParaRPr lang="ru-RU" sz="1400" dirty="0"/>
           </a:p>
         </p:txBody>
       </p:sp>
@@ -11640,7 +11411,7 @@
           <a:p>
             <a:pPr algn="ctr"/>
             <a:r>
-              <a:rPr lang="ru-RU" sz="1400" dirty="0" smtClean="0"/>
+              <a:rPr lang="ru-RU" sz="1400" dirty="0"/>
               <a:t>Создание Европейского фашистского альянса</a:t>
             </a:r>
             <a:endParaRPr lang="ru-RU" sz="300" dirty="0"/>
@@ -11688,10 +11459,9 @@
           <a:p>
             <a:pPr algn="ctr"/>
             <a:r>
-              <a:rPr lang="ru-RU" sz="1400" dirty="0" smtClean="0"/>
+              <a:rPr lang="ru-RU" sz="1400" dirty="0"/>
               <a:t>Распространение партийных газет</a:t>
             </a:r>
-            <a:endParaRPr lang="ru-RU" sz="1400" dirty="0"/>
           </a:p>
         </p:txBody>
       </p:sp>
@@ -11736,15 +11506,15 @@
           <a:p>
             <a:pPr algn="ctr"/>
             <a:r>
-              <a:rPr lang="ru-RU" sz="1400" dirty="0" smtClean="0"/>
+              <a:rPr lang="ru-RU" sz="1400" dirty="0"/>
               <a:t>Отвергнуть христианство в пользу </a:t>
             </a:r>
             <a:r>
-              <a:rPr lang="ru-RU" sz="1400" dirty="0" err="1" smtClean="0"/>
+              <a:rPr lang="ru-RU" sz="1400" dirty="0" err="1"/>
               <a:t>диевтурибы</a:t>
             </a:r>
             <a:r>
-              <a:rPr lang="ru-RU" sz="1400" dirty="0" smtClean="0"/>
+              <a:rPr lang="ru-RU" sz="1400" dirty="0"/>
               <a:t> (</a:t>
             </a:r>
             <a:r>
@@ -11752,10 +11522,9 @@
               <a:t>Dievturība</a:t>
             </a:r>
             <a:r>
-              <a:rPr lang="ru-RU" sz="1400" dirty="0" smtClean="0"/>
+              <a:rPr lang="ru-RU" sz="1400" dirty="0"/>
               <a:t>)</a:t>
             </a:r>
-            <a:endParaRPr lang="ru-RU" sz="1400" dirty="0"/>
           </a:p>
         </p:txBody>
       </p:sp>
@@ -11984,10 +11753,9 @@
           <a:p>
             <a:pPr algn="ctr"/>
             <a:r>
-              <a:rPr lang="ru-RU" sz="1400" dirty="0" smtClean="0"/>
+              <a:rPr lang="ru-RU" sz="1400" dirty="0"/>
               <a:t>Милитаризация промышленности</a:t>
             </a:r>
-            <a:endParaRPr lang="ru-RU" sz="1400" dirty="0"/>
           </a:p>
         </p:txBody>
       </p:sp>
@@ -12155,10 +11923,9 @@
           <a:p>
             <a:pPr algn="ctr"/>
             <a:r>
-              <a:rPr lang="ru-RU" sz="1400" dirty="0" smtClean="0"/>
+              <a:rPr lang="ru-RU" sz="1400" dirty="0"/>
               <a:t>Захват Эстонии</a:t>
             </a:r>
-            <a:endParaRPr lang="ru-RU" sz="1400" dirty="0"/>
           </a:p>
         </p:txBody>
       </p:sp>
@@ -12429,18 +12196,17 @@
           <a:p>
             <a:pPr algn="ctr"/>
             <a:r>
-              <a:rPr lang="ru-RU" sz="1400" dirty="0" smtClean="0"/>
+              <a:rPr lang="ru-RU" sz="1400" dirty="0"/>
               <a:t>Объединить </a:t>
             </a:r>
             <a:r>
-              <a:rPr lang="ru-RU" sz="1400" dirty="0" err="1" smtClean="0"/>
+              <a:rPr lang="ru-RU" sz="1400" dirty="0" err="1"/>
               <a:t>междуморье</a:t>
             </a:r>
             <a:r>
-              <a:rPr lang="ru-RU" sz="1400" dirty="0" smtClean="0"/>
+              <a:rPr lang="ru-RU" sz="1400" dirty="0"/>
               <a:t> (война против Польши)</a:t>
             </a:r>
-            <a:endParaRPr lang="ru-RU" sz="1400" dirty="0"/>
           </a:p>
         </p:txBody>
       </p:sp>
@@ -12522,11 +12288,7 @@
             <a:pPr algn="ctr"/>
             <a:r>
               <a:rPr lang="ru-RU" sz="1400" dirty="0"/>
-              <a:t>Союз с </a:t>
-            </a:r>
-            <a:r>
-              <a:rPr lang="ru-RU" sz="1400" dirty="0" smtClean="0"/>
-              <a:t>Польскими фашистами</a:t>
+              <a:t>Союз с Польскими фашистами</a:t>
             </a:r>
             <a:endParaRPr lang="ru-RU" sz="300" dirty="0"/>
           </a:p>
@@ -12573,7 +12335,7 @@
           <a:p>
             <a:pPr algn="ctr"/>
             <a:r>
-              <a:rPr lang="ru-RU" sz="1400" dirty="0" smtClean="0"/>
+              <a:rPr lang="ru-RU" sz="1400" dirty="0"/>
               <a:t>Союз с «Железными стрелами» Венгрии</a:t>
             </a:r>
             <a:endParaRPr lang="ru-RU" sz="300" dirty="0"/>
@@ -12695,12 +12457,12 @@
           <a:p>
             <a:pPr algn="ctr"/>
             <a:r>
-              <a:rPr lang="ru-RU" sz="1400" dirty="0" smtClean="0"/>
+              <a:rPr lang="ru-RU" sz="1400" dirty="0"/>
               <a:t>Союз с Турецкими </a:t>
             </a:r>
             <a:r>
-              <a:rPr lang="ru-RU" sz="1400" dirty="0" err="1" smtClean="0"/>
-              <a:t>патюркистами</a:t>
+              <a:rPr lang="ru-RU" sz="1400" dirty="0" err="1"/>
+              <a:t>пантюркистами</a:t>
             </a:r>
             <a:endParaRPr lang="ru-RU" sz="300" dirty="0"/>
           </a:p>
@@ -12871,14 +12633,13 @@
           <a:p>
             <a:pPr algn="ctr"/>
             <a:r>
-              <a:rPr lang="ru-RU" sz="1400" dirty="0" err="1" smtClean="0"/>
+              <a:rPr lang="ru-RU" sz="1400" dirty="0" err="1"/>
               <a:t>Юнионские</a:t>
             </a:r>
             <a:r>
-              <a:rPr lang="ru-RU" sz="1400" dirty="0" smtClean="0"/>
+              <a:rPr lang="ru-RU" sz="1400" dirty="0"/>
               <a:t> организации по Итальянскому образцу</a:t>
             </a:r>
-            <a:endParaRPr lang="ru-RU" sz="1400" dirty="0"/>
           </a:p>
         </p:txBody>
       </p:sp>
@@ -12923,10 +12684,9 @@
           <a:p>
             <a:pPr algn="ctr"/>
             <a:r>
-              <a:rPr lang="ru-RU" sz="1400" dirty="0" smtClean="0"/>
+              <a:rPr lang="ru-RU" sz="1400" dirty="0"/>
               <a:t>Вступить в научную группу фашистского интернационала</a:t>
             </a:r>
-            <a:endParaRPr lang="ru-RU" sz="1400" dirty="0"/>
           </a:p>
         </p:txBody>
       </p:sp>
@@ -12971,10 +12731,9 @@
           <a:p>
             <a:pPr algn="ctr"/>
             <a:r>
-              <a:rPr lang="ru-RU" sz="1400" dirty="0" smtClean="0"/>
+              <a:rPr lang="ru-RU" sz="1400" dirty="0"/>
               <a:t>Закупка итальянских лицензий</a:t>
             </a:r>
-            <a:endParaRPr lang="ru-RU" sz="1400" dirty="0"/>
           </a:p>
         </p:txBody>
       </p:sp>
@@ -13057,10 +12816,9 @@
           <a:p>
             <a:pPr algn="ctr"/>
             <a:r>
-              <a:rPr lang="ru-RU" sz="1400" dirty="0" smtClean="0"/>
+              <a:rPr lang="ru-RU" sz="1400" dirty="0"/>
               <a:t>Организация профсоюзов по итальянскому подобию</a:t>
             </a:r>
-            <a:endParaRPr lang="ru-RU" sz="1400" dirty="0"/>
           </a:p>
         </p:txBody>
       </p:sp>
@@ -13256,11 +13014,7 @@
             <a:pPr algn="ctr"/>
             <a:r>
               <a:rPr lang="ru-RU" sz="1400" dirty="0"/>
-              <a:t>Союз с </a:t>
-            </a:r>
-            <a:r>
-              <a:rPr lang="ru-RU" sz="1400" dirty="0" smtClean="0"/>
-              <a:t>«Национальным фронтом» Швейцарии</a:t>
+              <a:t>Союз с «Национальным фронтом» Швейцарии</a:t>
             </a:r>
             <a:endParaRPr lang="ru-RU" sz="300" dirty="0"/>
           </a:p>
@@ -13346,11 +13100,7 @@
             <a:pPr algn="ctr"/>
             <a:r>
               <a:rPr lang="ru-RU" sz="1400" dirty="0"/>
-              <a:t>Союз с </a:t>
-            </a:r>
-            <a:r>
-              <a:rPr lang="ru-RU" sz="1400" dirty="0" smtClean="0"/>
-              <a:t>Эстонскими фашистами</a:t>
+              <a:t>Союз с Эстонскими фашистами</a:t>
             </a:r>
             <a:endParaRPr lang="ru-RU" sz="300" dirty="0"/>
           </a:p>
@@ -13430,10 +13180,9 @@
           <a:p>
             <a:pPr algn="ctr"/>
             <a:r>
-              <a:rPr lang="ru-RU" sz="1400" dirty="0" smtClean="0"/>
+              <a:rPr lang="ru-RU" sz="1400" dirty="0"/>
               <a:t>Разработка прицелов для бомбардировщиков (дорожка)</a:t>
             </a:r>
-            <a:endParaRPr lang="ru-RU" sz="1400" dirty="0"/>
           </a:p>
         </p:txBody>
       </p:sp>
@@ -13547,10 +13296,9 @@
           <a:p>
             <a:pPr algn="ctr"/>
             <a:r>
-              <a:rPr lang="ru-RU" sz="1400" dirty="0" smtClean="0"/>
+              <a:rPr lang="ru-RU" sz="1400" dirty="0"/>
               <a:t>Совершенствование воздушных доктрин</a:t>
             </a:r>
-            <a:endParaRPr lang="ru-RU" sz="1400" dirty="0"/>
           </a:p>
         </p:txBody>
       </p:sp>
@@ -13628,10 +13376,9 @@
           <a:p>
             <a:pPr algn="ctr"/>
             <a:r>
-              <a:rPr lang="ru-RU" sz="1400" dirty="0" smtClean="0"/>
+              <a:rPr lang="ru-RU" sz="1400" dirty="0"/>
               <a:t>Строительство торгового флота</a:t>
             </a:r>
-            <a:endParaRPr lang="ru-RU" sz="1400" dirty="0"/>
           </a:p>
         </p:txBody>
       </p:sp>
@@ -13707,30 +13454,29 @@
           <a:p>
             <a:pPr algn="ctr"/>
             <a:r>
-              <a:rPr lang="ru-RU" sz="1400" dirty="0" smtClean="0"/>
+              <a:rPr lang="ru-RU" sz="1400" dirty="0"/>
               <a:t>«</a:t>
             </a:r>
             <a:r>
-              <a:rPr lang="ru-RU" sz="1400" dirty="0" err="1" smtClean="0"/>
+              <a:rPr lang="ru-RU" sz="1400" dirty="0" err="1"/>
               <a:t>Селльер</a:t>
             </a:r>
             <a:r>
-              <a:rPr lang="ru-RU" sz="1400" dirty="0" smtClean="0"/>
+              <a:rPr lang="ru-RU" sz="1400" dirty="0"/>
               <a:t> </a:t>
             </a:r>
             <a:r>
-              <a:rPr lang="en-US" sz="1400" dirty="0" smtClean="0"/>
+              <a:rPr lang="en-US" sz="1400" dirty="0"/>
               <a:t>&amp; </a:t>
             </a:r>
             <a:r>
-              <a:rPr lang="ru-RU" sz="1400" dirty="0" err="1" smtClean="0"/>
+              <a:rPr lang="ru-RU" sz="1400" dirty="0" err="1"/>
               <a:t>Беллот</a:t>
             </a:r>
             <a:r>
-              <a:rPr lang="ru-RU" sz="1400" dirty="0" smtClean="0"/>
+              <a:rPr lang="ru-RU" sz="1400" dirty="0"/>
               <a:t>» (дорожка)</a:t>
             </a:r>
-            <a:endParaRPr lang="ru-RU" sz="1400" dirty="0"/>
           </a:p>
         </p:txBody>
       </p:sp>
@@ -13808,14 +13554,9 @@
           <a:p>
             <a:pPr algn="ctr"/>
             <a:r>
-              <a:rPr lang="ru-RU" sz="1400" dirty="0" smtClean="0"/>
-              <a:t>Шведские </a:t>
-            </a:r>
-            <a:r>
-              <a:rPr lang="ru-RU" sz="1400" dirty="0" smtClean="0"/>
-              <a:t>инвестиции (дорожка, +СЕНТАБ)</a:t>
-            </a:r>
-            <a:endParaRPr lang="ru-RU" sz="1400" dirty="0"/>
+              <a:rPr lang="ru-RU" sz="1400" dirty="0"/>
+              <a:t>Шведские инвестиции (дорожка, +СЕНТАБ)</a:t>
+            </a:r>
           </a:p>
         </p:txBody>
       </p:sp>
@@ -13929,11 +13670,11 @@
           <a:p>
             <a:pPr algn="ctr"/>
             <a:r>
-              <a:rPr lang="ru-RU" sz="1400" dirty="0" smtClean="0"/>
+              <a:rPr lang="ru-RU" sz="1400" dirty="0"/>
               <a:t>Велосипедная фабрика </a:t>
             </a:r>
             <a:r>
-              <a:rPr lang="ru-RU" sz="1400" dirty="0" err="1" smtClean="0"/>
+              <a:rPr lang="ru-RU" sz="1400" dirty="0" err="1"/>
               <a:t>Эренпрейса</a:t>
             </a:r>
             <a:endParaRPr lang="ru-RU" sz="1400" dirty="0"/>
@@ -14014,10 +13755,9 @@
           <a:p>
             <a:pPr algn="ctr"/>
             <a:r>
-              <a:rPr lang="ru-RU" sz="1400" dirty="0" smtClean="0"/>
+              <a:rPr lang="ru-RU" sz="1400" dirty="0"/>
               <a:t>Велосипедная пехота</a:t>
             </a:r>
-            <a:endParaRPr lang="ru-RU" sz="1400" dirty="0"/>
           </a:p>
         </p:txBody>
       </p:sp>
@@ -14171,18 +13911,17 @@
           <a:p>
             <a:pPr algn="ctr"/>
             <a:r>
-              <a:rPr lang="ru-RU" sz="1400" dirty="0" smtClean="0"/>
+              <a:rPr lang="ru-RU" sz="1400" dirty="0"/>
               <a:t>Балтийское чудо (5 ячейка, но только при 50 фабриках и всей </a:t>
             </a:r>
             <a:r>
-              <a:rPr lang="ru-RU" sz="1400" dirty="0" err="1" smtClean="0"/>
+              <a:rPr lang="ru-RU" sz="1400" dirty="0" err="1"/>
               <a:t>прибалтики</a:t>
             </a:r>
             <a:r>
-              <a:rPr lang="ru-RU" sz="1400" dirty="0" smtClean="0"/>
+              <a:rPr lang="ru-RU" sz="1400" dirty="0"/>
               <a:t> владением)</a:t>
             </a:r>
-            <a:endParaRPr lang="ru-RU" sz="1400" dirty="0"/>
           </a:p>
         </p:txBody>
       </p:sp>
@@ -14308,13 +14047,6 @@
   <p:clrMapOvr>
     <a:masterClrMapping/>
   </p:clrMapOvr>
-  <p:timing>
-    <p:tnLst>
-      <p:par>
-        <p:cTn id="1" dur="indefinite" restart="never" nodeType="tmRoot"/>
-      </p:par>
-    </p:tnLst>
-  </p:timing>
 </p:sld>
 </file>
 
